--- a/2022/June_Batch/5Javascript/2August/02-08-22/3javascript -Built-in-Datastructure.pptx
+++ b/2022/June_Batch/5Javascript/2August/02-08-22/3javascript -Built-in-Datastructure.pptx
@@ -14,29 +14,6 @@
     <p:sldId id="407" r:id="rId8"/>
     <p:sldId id="408" r:id="rId9"/>
     <p:sldId id="415" r:id="rId10"/>
-    <p:sldId id="410" r:id="rId11"/>
-    <p:sldId id="411" r:id="rId12"/>
-    <p:sldId id="412" r:id="rId13"/>
-    <p:sldId id="417" r:id="rId14"/>
-    <p:sldId id="420" r:id="rId15"/>
-    <p:sldId id="418" r:id="rId16"/>
-    <p:sldId id="419" r:id="rId17"/>
-    <p:sldId id="429" r:id="rId18"/>
-    <p:sldId id="421" r:id="rId19"/>
-    <p:sldId id="422" r:id="rId20"/>
-    <p:sldId id="423" r:id="rId21"/>
-    <p:sldId id="424" r:id="rId22"/>
-    <p:sldId id="425" r:id="rId23"/>
-    <p:sldId id="426" r:id="rId24"/>
-    <p:sldId id="427" r:id="rId25"/>
-    <p:sldId id="428" r:id="rId26"/>
-    <p:sldId id="416" r:id="rId27"/>
-    <p:sldId id="375" r:id="rId28"/>
-    <p:sldId id="404" r:id="rId29"/>
-    <p:sldId id="405" r:id="rId30"/>
-    <p:sldId id="406" r:id="rId31"/>
-    <p:sldId id="376" r:id="rId32"/>
-    <p:sldId id="377" r:id="rId33"/>
   </p:sldIdLst>
   <p:sldSz cx="12192000" cy="6858000"/>
   <p:notesSz cx="6858000" cy="9144000"/>
@@ -286,7 +263,7 @@
             <a:fld id="{7FCC5AE5-E495-4913-B643-A95A6AFABB00}" type="datetimeFigureOut">
               <a:rPr kumimoji="1" lang="ja-JP" altLang="en-US" smtClean="0"/>
               <a:pPr/>
-              <a:t>2022/8/1</a:t>
+              <a:t>2022/8/2</a:t>
             </a:fld>
             <a:endParaRPr kumimoji="1" lang="ja-JP" altLang="en-US"/>
           </a:p>
@@ -458,7 +435,7 @@
             <a:fld id="{7FCC5AE5-E495-4913-B643-A95A6AFABB00}" type="datetimeFigureOut">
               <a:rPr kumimoji="1" lang="ja-JP" altLang="en-US" smtClean="0"/>
               <a:pPr/>
-              <a:t>2022/8/1</a:t>
+              <a:t>2022/8/2</a:t>
             </a:fld>
             <a:endParaRPr kumimoji="1" lang="ja-JP" altLang="en-US"/>
           </a:p>
@@ -640,7 +617,7 @@
             <a:fld id="{7FCC5AE5-E495-4913-B643-A95A6AFABB00}" type="datetimeFigureOut">
               <a:rPr kumimoji="1" lang="ja-JP" altLang="en-US" smtClean="0"/>
               <a:pPr/>
-              <a:t>2022/8/1</a:t>
+              <a:t>2022/8/2</a:t>
             </a:fld>
             <a:endParaRPr kumimoji="1" lang="ja-JP" altLang="en-US"/>
           </a:p>
@@ -812,7 +789,7 @@
             <a:fld id="{7FCC5AE5-E495-4913-B643-A95A6AFABB00}" type="datetimeFigureOut">
               <a:rPr kumimoji="1" lang="ja-JP" altLang="en-US" smtClean="0"/>
               <a:pPr/>
-              <a:t>2022/8/1</a:t>
+              <a:t>2022/8/2</a:t>
             </a:fld>
             <a:endParaRPr kumimoji="1" lang="ja-JP" altLang="en-US"/>
           </a:p>
@@ -1060,7 +1037,7 @@
             <a:fld id="{7FCC5AE5-E495-4913-B643-A95A6AFABB00}" type="datetimeFigureOut">
               <a:rPr kumimoji="1" lang="ja-JP" altLang="en-US" smtClean="0"/>
               <a:pPr/>
-              <a:t>2022/8/1</a:t>
+              <a:t>2022/8/2</a:t>
             </a:fld>
             <a:endParaRPr kumimoji="1" lang="ja-JP" altLang="en-US"/>
           </a:p>
@@ -1294,7 +1271,7 @@
             <a:fld id="{7FCC5AE5-E495-4913-B643-A95A6AFABB00}" type="datetimeFigureOut">
               <a:rPr kumimoji="1" lang="ja-JP" altLang="en-US" smtClean="0"/>
               <a:pPr/>
-              <a:t>2022/8/1</a:t>
+              <a:t>2022/8/2</a:t>
             </a:fld>
             <a:endParaRPr kumimoji="1" lang="ja-JP" altLang="en-US"/>
           </a:p>
@@ -1663,7 +1640,7 @@
             <a:fld id="{7FCC5AE5-E495-4913-B643-A95A6AFABB00}" type="datetimeFigureOut">
               <a:rPr kumimoji="1" lang="ja-JP" altLang="en-US" smtClean="0"/>
               <a:pPr/>
-              <a:t>2022/8/1</a:t>
+              <a:t>2022/8/2</a:t>
             </a:fld>
             <a:endParaRPr kumimoji="1" lang="ja-JP" altLang="en-US"/>
           </a:p>
@@ -1783,7 +1760,7 @@
             <a:fld id="{7FCC5AE5-E495-4913-B643-A95A6AFABB00}" type="datetimeFigureOut">
               <a:rPr kumimoji="1" lang="ja-JP" altLang="en-US" smtClean="0"/>
               <a:pPr/>
-              <a:t>2022/8/1</a:t>
+              <a:t>2022/8/2</a:t>
             </a:fld>
             <a:endParaRPr kumimoji="1" lang="ja-JP" altLang="en-US"/>
           </a:p>
@@ -1880,7 +1857,7 @@
             <a:fld id="{7FCC5AE5-E495-4913-B643-A95A6AFABB00}" type="datetimeFigureOut">
               <a:rPr kumimoji="1" lang="ja-JP" altLang="en-US" smtClean="0"/>
               <a:pPr/>
-              <a:t>2022/8/1</a:t>
+              <a:t>2022/8/2</a:t>
             </a:fld>
             <a:endParaRPr kumimoji="1" lang="ja-JP" altLang="en-US"/>
           </a:p>
@@ -2159,7 +2136,7 @@
             <a:fld id="{7FCC5AE5-E495-4913-B643-A95A6AFABB00}" type="datetimeFigureOut">
               <a:rPr kumimoji="1" lang="ja-JP" altLang="en-US" smtClean="0"/>
               <a:pPr/>
-              <a:t>2022/8/1</a:t>
+              <a:t>2022/8/2</a:t>
             </a:fld>
             <a:endParaRPr kumimoji="1" lang="ja-JP" altLang="en-US"/>
           </a:p>
@@ -2418,7 +2395,7 @@
             <a:fld id="{7FCC5AE5-E495-4913-B643-A95A6AFABB00}" type="datetimeFigureOut">
               <a:rPr kumimoji="1" lang="ja-JP" altLang="en-US" smtClean="0"/>
               <a:pPr/>
-              <a:t>2022/8/1</a:t>
+              <a:t>2022/8/2</a:t>
             </a:fld>
             <a:endParaRPr kumimoji="1" lang="ja-JP" altLang="en-US"/>
           </a:p>
@@ -2633,7 +2610,7 @@
             <a:fld id="{7FCC5AE5-E495-4913-B643-A95A6AFABB00}" type="datetimeFigureOut">
               <a:rPr kumimoji="1" lang="ja-JP" altLang="en-US" smtClean="0"/>
               <a:pPr/>
-              <a:t>2022/8/1</a:t>
+              <a:t>2022/8/2</a:t>
             </a:fld>
             <a:endParaRPr kumimoji="1" lang="ja-JP" altLang="en-US"/>
           </a:p>
@@ -3211,1101 +3188,6 @@
 </p:sld>
 </file>
 
-<file path=ppt/slides/slide10.xml><?xml version="1.0" encoding="utf-8"?>
-<p:sld xmlns:a="http://schemas.openxmlformats.org/drawingml/2006/main" xmlns:r="http://schemas.openxmlformats.org/officeDocument/2006/relationships" xmlns:p="http://schemas.openxmlformats.org/presentationml/2006/main">
-  <p:cSld>
-    <p:spTree>
-      <p:nvGrpSpPr>
-        <p:cNvPr id="1" name=""/>
-        <p:cNvGrpSpPr/>
-        <p:nvPr/>
-      </p:nvGrpSpPr>
-      <p:grpSpPr>
-        <a:xfrm>
-          <a:off x="0" y="0"/>
-          <a:ext cx="0" cy="0"/>
-          <a:chOff x="0" y="0"/>
-          <a:chExt cx="0" cy="0"/>
-        </a:xfrm>
-      </p:grpSpPr>
-      <p:sp>
-        <p:nvSpPr>
-          <p:cNvPr id="2" name="Title 1"/>
-          <p:cNvSpPr>
-            <a:spLocks noGrp="1"/>
-          </p:cNvSpPr>
-          <p:nvPr>
-            <p:ph type="title"/>
-          </p:nvPr>
-        </p:nvSpPr>
-        <p:spPr/>
-        <p:txBody>
-          <a:bodyPr/>
-          <a:lstStyle/>
-          <a:p>
-            <a:r>
-              <a:rPr lang="en-US" dirty="0" smtClean="0"/>
-              <a:t>Other Loops</a:t>
-            </a:r>
-            <a:endParaRPr lang="en-US" dirty="0"/>
-          </a:p>
-        </p:txBody>
-      </p:sp>
-      <p:pic>
-        <p:nvPicPr>
-          <p:cNvPr id="3074" name="Picture 2"/>
-          <p:cNvPicPr>
-            <a:picLocks noGrp="1" noChangeAspect="1" noChangeArrowheads="1"/>
-          </p:cNvPicPr>
-          <p:nvPr>
-            <p:ph idx="1"/>
-          </p:nvPr>
-        </p:nvPicPr>
-        <p:blipFill>
-          <a:blip r:embed="rId2"/>
-          <a:srcRect/>
-          <a:stretch>
-            <a:fillRect/>
-          </a:stretch>
-        </p:blipFill>
-        <p:spPr bwMode="auto">
-          <a:xfrm>
-            <a:off x="947193" y="1384664"/>
-            <a:ext cx="10339116" cy="5225142"/>
-          </a:xfrm>
-          <a:prstGeom prst="rect">
-            <a:avLst/>
-          </a:prstGeom>
-          <a:noFill/>
-          <a:ln w="9525">
-            <a:noFill/>
-            <a:miter lim="800000"/>
-            <a:headEnd/>
-            <a:tailEnd/>
-          </a:ln>
-          <a:effectLst/>
-        </p:spPr>
-      </p:pic>
-    </p:spTree>
-  </p:cSld>
-  <p:clrMapOvr>
-    <a:masterClrMapping/>
-  </p:clrMapOvr>
-</p:sld>
-</file>
-
-<file path=ppt/slides/slide11.xml><?xml version="1.0" encoding="utf-8"?>
-<p:sld xmlns:a="http://schemas.openxmlformats.org/drawingml/2006/main" xmlns:r="http://schemas.openxmlformats.org/officeDocument/2006/relationships" xmlns:p="http://schemas.openxmlformats.org/presentationml/2006/main">
-  <p:cSld>
-    <p:spTree>
-      <p:nvGrpSpPr>
-        <p:cNvPr id="1" name=""/>
-        <p:cNvGrpSpPr/>
-        <p:nvPr/>
-      </p:nvGrpSpPr>
-      <p:grpSpPr>
-        <a:xfrm>
-          <a:off x="0" y="0"/>
-          <a:ext cx="0" cy="0"/>
-          <a:chOff x="0" y="0"/>
-          <a:chExt cx="0" cy="0"/>
-        </a:xfrm>
-      </p:grpSpPr>
-      <p:sp>
-        <p:nvSpPr>
-          <p:cNvPr id="2" name="Title 1"/>
-          <p:cNvSpPr>
-            <a:spLocks noGrp="1"/>
-          </p:cNvSpPr>
-          <p:nvPr>
-            <p:ph type="title"/>
-          </p:nvPr>
-        </p:nvSpPr>
-        <p:spPr/>
-        <p:txBody>
-          <a:bodyPr/>
-          <a:lstStyle/>
-          <a:p>
-            <a:r>
-              <a:rPr lang="en-US" dirty="0" smtClean="0"/>
-              <a:t>Other Loops</a:t>
-            </a:r>
-            <a:endParaRPr lang="en-US" dirty="0"/>
-          </a:p>
-        </p:txBody>
-      </p:sp>
-      <p:sp>
-        <p:nvSpPr>
-          <p:cNvPr id="4" name="Content Placeholder 3"/>
-          <p:cNvSpPr>
-            <a:spLocks noGrp="1"/>
-          </p:cNvSpPr>
-          <p:nvPr>
-            <p:ph idx="1"/>
-          </p:nvPr>
-        </p:nvSpPr>
-        <p:spPr/>
-        <p:txBody>
-          <a:bodyPr/>
-          <a:lstStyle/>
-          <a:p>
-            <a:endParaRPr lang="en-US"/>
-          </a:p>
-        </p:txBody>
-      </p:sp>
-      <p:pic>
-        <p:nvPicPr>
-          <p:cNvPr id="4098" name="Picture 2"/>
-          <p:cNvPicPr>
-            <a:picLocks noChangeAspect="1" noChangeArrowheads="1"/>
-          </p:cNvPicPr>
-          <p:nvPr/>
-        </p:nvPicPr>
-        <p:blipFill>
-          <a:blip r:embed="rId2"/>
-          <a:srcRect/>
-          <a:stretch>
-            <a:fillRect/>
-          </a:stretch>
-        </p:blipFill>
-        <p:spPr bwMode="auto">
-          <a:xfrm>
-            <a:off x="2506300" y="1891394"/>
-            <a:ext cx="7225528" cy="4381500"/>
-          </a:xfrm>
-          <a:prstGeom prst="rect">
-            <a:avLst/>
-          </a:prstGeom>
-          <a:noFill/>
-          <a:ln w="9525">
-            <a:noFill/>
-            <a:miter lim="800000"/>
-            <a:headEnd/>
-            <a:tailEnd/>
-          </a:ln>
-          <a:effectLst/>
-        </p:spPr>
-      </p:pic>
-    </p:spTree>
-  </p:cSld>
-  <p:clrMapOvr>
-    <a:masterClrMapping/>
-  </p:clrMapOvr>
-</p:sld>
-</file>
-
-<file path=ppt/slides/slide12.xml><?xml version="1.0" encoding="utf-8"?>
-<p:sld xmlns:a="http://schemas.openxmlformats.org/drawingml/2006/main" xmlns:r="http://schemas.openxmlformats.org/officeDocument/2006/relationships" xmlns:p="http://schemas.openxmlformats.org/presentationml/2006/main">
-  <p:cSld>
-    <p:spTree>
-      <p:nvGrpSpPr>
-        <p:cNvPr id="1" name=""/>
-        <p:cNvGrpSpPr/>
-        <p:nvPr/>
-      </p:nvGrpSpPr>
-      <p:grpSpPr>
-        <a:xfrm>
-          <a:off x="0" y="0"/>
-          <a:ext cx="0" cy="0"/>
-          <a:chOff x="0" y="0"/>
-          <a:chExt cx="0" cy="0"/>
-        </a:xfrm>
-      </p:grpSpPr>
-      <p:sp>
-        <p:nvSpPr>
-          <p:cNvPr id="2" name="Title 1"/>
-          <p:cNvSpPr>
-            <a:spLocks noGrp="1"/>
-          </p:cNvSpPr>
-          <p:nvPr>
-            <p:ph type="title"/>
-          </p:nvPr>
-        </p:nvSpPr>
-        <p:spPr/>
-        <p:txBody>
-          <a:bodyPr/>
-          <a:lstStyle/>
-          <a:p>
-            <a:r>
-              <a:rPr lang="en-US" dirty="0" smtClean="0"/>
-              <a:t>Other Loops</a:t>
-            </a:r>
-            <a:endParaRPr lang="en-US" dirty="0"/>
-          </a:p>
-        </p:txBody>
-      </p:sp>
-      <p:sp>
-        <p:nvSpPr>
-          <p:cNvPr id="4" name="Content Placeholder 3"/>
-          <p:cNvSpPr>
-            <a:spLocks noGrp="1"/>
-          </p:cNvSpPr>
-          <p:nvPr>
-            <p:ph idx="1"/>
-          </p:nvPr>
-        </p:nvSpPr>
-        <p:spPr/>
-        <p:txBody>
-          <a:bodyPr/>
-          <a:lstStyle/>
-          <a:p>
-            <a:endParaRPr lang="en-US"/>
-          </a:p>
-        </p:txBody>
-      </p:sp>
-      <p:pic>
-        <p:nvPicPr>
-          <p:cNvPr id="4098" name="Picture 2"/>
-          <p:cNvPicPr>
-            <a:picLocks noChangeAspect="1" noChangeArrowheads="1"/>
-          </p:cNvPicPr>
-          <p:nvPr/>
-        </p:nvPicPr>
-        <p:blipFill>
-          <a:blip r:embed="rId2"/>
-          <a:srcRect/>
-          <a:stretch>
-            <a:fillRect/>
-          </a:stretch>
-        </p:blipFill>
-        <p:spPr bwMode="auto">
-          <a:xfrm>
-            <a:off x="2506300" y="1891394"/>
-            <a:ext cx="7225528" cy="4381500"/>
-          </a:xfrm>
-          <a:prstGeom prst="rect">
-            <a:avLst/>
-          </a:prstGeom>
-          <a:noFill/>
-          <a:ln w="9525">
-            <a:noFill/>
-            <a:miter lim="800000"/>
-            <a:headEnd/>
-            <a:tailEnd/>
-          </a:ln>
-          <a:effectLst/>
-        </p:spPr>
-      </p:pic>
-    </p:spTree>
-  </p:cSld>
-  <p:clrMapOvr>
-    <a:masterClrMapping/>
-  </p:clrMapOvr>
-</p:sld>
-</file>
-
-<file path=ppt/slides/slide13.xml><?xml version="1.0" encoding="utf-8"?>
-<p:sld xmlns:a="http://schemas.openxmlformats.org/drawingml/2006/main" xmlns:r="http://schemas.openxmlformats.org/officeDocument/2006/relationships" xmlns:p="http://schemas.openxmlformats.org/presentationml/2006/main">
-  <p:cSld>
-    <p:spTree>
-      <p:nvGrpSpPr>
-        <p:cNvPr id="1" name=""/>
-        <p:cNvGrpSpPr/>
-        <p:nvPr/>
-      </p:nvGrpSpPr>
-      <p:grpSpPr>
-        <a:xfrm>
-          <a:off x="0" y="0"/>
-          <a:ext cx="0" cy="0"/>
-          <a:chOff x="0" y="0"/>
-          <a:chExt cx="0" cy="0"/>
-        </a:xfrm>
-      </p:grpSpPr>
-      <p:sp>
-        <p:nvSpPr>
-          <p:cNvPr id="2" name="Title 1"/>
-          <p:cNvSpPr>
-            <a:spLocks noGrp="1"/>
-          </p:cNvSpPr>
-          <p:nvPr>
-            <p:ph type="title"/>
-          </p:nvPr>
-        </p:nvSpPr>
-        <p:spPr/>
-        <p:txBody>
-          <a:bodyPr/>
-          <a:lstStyle/>
-          <a:p>
-            <a:r>
-              <a:rPr lang="en-US" dirty="0" smtClean="0"/>
-              <a:t>Map</a:t>
-            </a:r>
-            <a:endParaRPr lang="en-US" dirty="0"/>
-          </a:p>
-        </p:txBody>
-      </p:sp>
-      <p:pic>
-        <p:nvPicPr>
-          <p:cNvPr id="1026" name="Picture 2"/>
-          <p:cNvPicPr>
-            <a:picLocks noGrp="1" noChangeAspect="1" noChangeArrowheads="1"/>
-          </p:cNvPicPr>
-          <p:nvPr>
-            <p:ph idx="1"/>
-          </p:nvPr>
-        </p:nvPicPr>
-        <p:blipFill>
-          <a:blip r:embed="rId2"/>
-          <a:srcRect/>
-          <a:stretch>
-            <a:fillRect/>
-          </a:stretch>
-        </p:blipFill>
-        <p:spPr bwMode="auto">
-          <a:xfrm>
-            <a:off x="1832746" y="1444784"/>
-            <a:ext cx="7324725" cy="3467100"/>
-          </a:xfrm>
-          <a:prstGeom prst="rect">
-            <a:avLst/>
-          </a:prstGeom>
-          <a:noFill/>
-          <a:ln w="9525">
-            <a:noFill/>
-            <a:miter lim="800000"/>
-            <a:headEnd/>
-            <a:tailEnd/>
-          </a:ln>
-          <a:effectLst/>
-        </p:spPr>
-      </p:pic>
-      <p:pic>
-        <p:nvPicPr>
-          <p:cNvPr id="1027" name="Picture 3"/>
-          <p:cNvPicPr>
-            <a:picLocks noChangeAspect="1" noChangeArrowheads="1"/>
-          </p:cNvPicPr>
-          <p:nvPr/>
-        </p:nvPicPr>
-        <p:blipFill>
-          <a:blip r:embed="rId3"/>
-          <a:srcRect/>
-          <a:stretch>
-            <a:fillRect/>
-          </a:stretch>
-        </p:blipFill>
-        <p:spPr bwMode="auto">
-          <a:xfrm>
-            <a:off x="1959428" y="5349512"/>
-            <a:ext cx="7040879" cy="1103540"/>
-          </a:xfrm>
-          <a:prstGeom prst="rect">
-            <a:avLst/>
-          </a:prstGeom>
-          <a:noFill/>
-          <a:ln w="9525">
-            <a:noFill/>
-            <a:miter lim="800000"/>
-            <a:headEnd/>
-            <a:tailEnd/>
-          </a:ln>
-          <a:effectLst/>
-        </p:spPr>
-      </p:pic>
-    </p:spTree>
-  </p:cSld>
-  <p:clrMapOvr>
-    <a:masterClrMapping/>
-  </p:clrMapOvr>
-</p:sld>
-</file>
-
-<file path=ppt/slides/slide14.xml><?xml version="1.0" encoding="utf-8"?>
-<p:sld xmlns:a="http://schemas.openxmlformats.org/drawingml/2006/main" xmlns:r="http://schemas.openxmlformats.org/officeDocument/2006/relationships" xmlns:p="http://schemas.openxmlformats.org/presentationml/2006/main">
-  <p:cSld>
-    <p:spTree>
-      <p:nvGrpSpPr>
-        <p:cNvPr id="1" name=""/>
-        <p:cNvGrpSpPr/>
-        <p:nvPr/>
-      </p:nvGrpSpPr>
-      <p:grpSpPr>
-        <a:xfrm>
-          <a:off x="0" y="0"/>
-          <a:ext cx="0" cy="0"/>
-          <a:chOff x="0" y="0"/>
-          <a:chExt cx="0" cy="0"/>
-        </a:xfrm>
-      </p:grpSpPr>
-      <p:sp>
-        <p:nvSpPr>
-          <p:cNvPr id="2" name="Title 1"/>
-          <p:cNvSpPr>
-            <a:spLocks noGrp="1"/>
-          </p:cNvSpPr>
-          <p:nvPr>
-            <p:ph type="title"/>
-          </p:nvPr>
-        </p:nvSpPr>
-        <p:spPr/>
-        <p:txBody>
-          <a:bodyPr/>
-          <a:lstStyle/>
-          <a:p>
-            <a:r>
-              <a:rPr lang="en-US" dirty="0" smtClean="0"/>
-              <a:t>Map with index value</a:t>
-            </a:r>
-            <a:endParaRPr lang="en-US" dirty="0"/>
-          </a:p>
-        </p:txBody>
-      </p:sp>
-      <p:pic>
-        <p:nvPicPr>
-          <p:cNvPr id="4098" name="Picture 2"/>
-          <p:cNvPicPr>
-            <a:picLocks noGrp="1" noChangeAspect="1" noChangeArrowheads="1"/>
-          </p:cNvPicPr>
-          <p:nvPr>
-            <p:ph idx="1"/>
-          </p:nvPr>
-        </p:nvPicPr>
-        <p:blipFill>
-          <a:blip r:embed="rId2"/>
-          <a:srcRect/>
-          <a:stretch>
-            <a:fillRect/>
-          </a:stretch>
-        </p:blipFill>
-        <p:spPr bwMode="auto">
-          <a:xfrm>
-            <a:off x="2228850" y="2339181"/>
-            <a:ext cx="7734300" cy="3324225"/>
-          </a:xfrm>
-          <a:prstGeom prst="rect">
-            <a:avLst/>
-          </a:prstGeom>
-          <a:noFill/>
-          <a:ln w="9525">
-            <a:noFill/>
-            <a:miter lim="800000"/>
-            <a:headEnd/>
-            <a:tailEnd/>
-          </a:ln>
-          <a:effectLst/>
-        </p:spPr>
-      </p:pic>
-      <p:pic>
-        <p:nvPicPr>
-          <p:cNvPr id="4099" name="Picture 3"/>
-          <p:cNvPicPr>
-            <a:picLocks noChangeAspect="1" noChangeArrowheads="1"/>
-          </p:cNvPicPr>
-          <p:nvPr/>
-        </p:nvPicPr>
-        <p:blipFill>
-          <a:blip r:embed="rId3"/>
-          <a:srcRect/>
-          <a:stretch>
-            <a:fillRect/>
-          </a:stretch>
-        </p:blipFill>
-        <p:spPr bwMode="auto">
-          <a:xfrm>
-            <a:off x="4670788" y="5909310"/>
-            <a:ext cx="2876550" cy="342900"/>
-          </a:xfrm>
-          <a:prstGeom prst="rect">
-            <a:avLst/>
-          </a:prstGeom>
-          <a:noFill/>
-          <a:ln w="9525">
-            <a:noFill/>
-            <a:miter lim="800000"/>
-            <a:headEnd/>
-            <a:tailEnd/>
-          </a:ln>
-          <a:effectLst/>
-        </p:spPr>
-      </p:pic>
-    </p:spTree>
-  </p:cSld>
-  <p:clrMapOvr>
-    <a:masterClrMapping/>
-  </p:clrMapOvr>
-</p:sld>
-</file>
-
-<file path=ppt/slides/slide15.xml><?xml version="1.0" encoding="utf-8"?>
-<p:sld xmlns:a="http://schemas.openxmlformats.org/drawingml/2006/main" xmlns:r="http://schemas.openxmlformats.org/officeDocument/2006/relationships" xmlns:p="http://schemas.openxmlformats.org/presentationml/2006/main">
-  <p:cSld>
-    <p:spTree>
-      <p:nvGrpSpPr>
-        <p:cNvPr id="1" name=""/>
-        <p:cNvGrpSpPr/>
-        <p:nvPr/>
-      </p:nvGrpSpPr>
-      <p:grpSpPr>
-        <a:xfrm>
-          <a:off x="0" y="0"/>
-          <a:ext cx="0" cy="0"/>
-          <a:chOff x="0" y="0"/>
-          <a:chExt cx="0" cy="0"/>
-        </a:xfrm>
-      </p:grpSpPr>
-      <p:sp>
-        <p:nvSpPr>
-          <p:cNvPr id="2" name="Title 1"/>
-          <p:cNvSpPr>
-            <a:spLocks noGrp="1"/>
-          </p:cNvSpPr>
-          <p:nvPr>
-            <p:ph type="title"/>
-          </p:nvPr>
-        </p:nvSpPr>
-        <p:spPr/>
-        <p:txBody>
-          <a:bodyPr/>
-          <a:lstStyle/>
-          <a:p>
-            <a:r>
-              <a:rPr lang="en-US" dirty="0" smtClean="0"/>
-              <a:t>Filter</a:t>
-            </a:r>
-            <a:endParaRPr lang="en-US" dirty="0"/>
-          </a:p>
-        </p:txBody>
-      </p:sp>
-      <p:pic>
-        <p:nvPicPr>
-          <p:cNvPr id="2050" name="Picture 2"/>
-          <p:cNvPicPr>
-            <a:picLocks noGrp="1" noChangeAspect="1" noChangeArrowheads="1"/>
-          </p:cNvPicPr>
-          <p:nvPr>
-            <p:ph idx="1"/>
-          </p:nvPr>
-        </p:nvPicPr>
-        <p:blipFill>
-          <a:blip r:embed="rId2"/>
-          <a:srcRect/>
-          <a:stretch>
-            <a:fillRect/>
-          </a:stretch>
-        </p:blipFill>
-        <p:spPr bwMode="auto">
-          <a:xfrm>
-            <a:off x="2309949" y="1627800"/>
-            <a:ext cx="7467600" cy="3362325"/>
-          </a:xfrm>
-          <a:prstGeom prst="rect">
-            <a:avLst/>
-          </a:prstGeom>
-          <a:noFill/>
-          <a:ln w="9525">
-            <a:noFill/>
-            <a:miter lim="800000"/>
-            <a:headEnd/>
-            <a:tailEnd/>
-          </a:ln>
-          <a:effectLst/>
-        </p:spPr>
-      </p:pic>
-      <p:pic>
-        <p:nvPicPr>
-          <p:cNvPr id="2051" name="Picture 3"/>
-          <p:cNvPicPr>
-            <a:picLocks noChangeAspect="1" noChangeArrowheads="1"/>
-          </p:cNvPicPr>
-          <p:nvPr/>
-        </p:nvPicPr>
-        <p:blipFill>
-          <a:blip r:embed="rId3"/>
-          <a:srcRect/>
-          <a:stretch>
-            <a:fillRect/>
-          </a:stretch>
-        </p:blipFill>
-        <p:spPr bwMode="auto">
-          <a:xfrm>
-            <a:off x="4781006" y="5656216"/>
-            <a:ext cx="3918857" cy="888275"/>
-          </a:xfrm>
-          <a:prstGeom prst="rect">
-            <a:avLst/>
-          </a:prstGeom>
-          <a:noFill/>
-          <a:ln w="9525">
-            <a:noFill/>
-            <a:miter lim="800000"/>
-            <a:headEnd/>
-            <a:tailEnd/>
-          </a:ln>
-          <a:effectLst/>
-        </p:spPr>
-      </p:pic>
-    </p:spTree>
-  </p:cSld>
-  <p:clrMapOvr>
-    <a:masterClrMapping/>
-  </p:clrMapOvr>
-</p:sld>
-</file>
-
-<file path=ppt/slides/slide16.xml><?xml version="1.0" encoding="utf-8"?>
-<p:sld xmlns:a="http://schemas.openxmlformats.org/drawingml/2006/main" xmlns:r="http://schemas.openxmlformats.org/officeDocument/2006/relationships" xmlns:p="http://schemas.openxmlformats.org/presentationml/2006/main">
-  <p:cSld>
-    <p:spTree>
-      <p:nvGrpSpPr>
-        <p:cNvPr id="1" name=""/>
-        <p:cNvGrpSpPr/>
-        <p:nvPr/>
-      </p:nvGrpSpPr>
-      <p:grpSpPr>
-        <a:xfrm>
-          <a:off x="0" y="0"/>
-          <a:ext cx="0" cy="0"/>
-          <a:chOff x="0" y="0"/>
-          <a:chExt cx="0" cy="0"/>
-        </a:xfrm>
-      </p:grpSpPr>
-      <p:sp>
-        <p:nvSpPr>
-          <p:cNvPr id="2" name="Title 1"/>
-          <p:cNvSpPr>
-            <a:spLocks noGrp="1"/>
-          </p:cNvSpPr>
-          <p:nvPr>
-            <p:ph type="title"/>
-          </p:nvPr>
-        </p:nvSpPr>
-        <p:spPr/>
-        <p:txBody>
-          <a:bodyPr/>
-          <a:lstStyle/>
-          <a:p>
-            <a:r>
-              <a:rPr lang="en-US" dirty="0" smtClean="0"/>
-              <a:t>Find</a:t>
-            </a:r>
-            <a:endParaRPr lang="en-US" dirty="0"/>
-          </a:p>
-        </p:txBody>
-      </p:sp>
-      <p:pic>
-        <p:nvPicPr>
-          <p:cNvPr id="3074" name="Picture 2"/>
-          <p:cNvPicPr>
-            <a:picLocks noGrp="1" noChangeAspect="1" noChangeArrowheads="1"/>
-          </p:cNvPicPr>
-          <p:nvPr>
-            <p:ph idx="1"/>
-          </p:nvPr>
-        </p:nvPicPr>
-        <p:blipFill>
-          <a:blip r:embed="rId2"/>
-          <a:srcRect/>
-          <a:stretch>
-            <a:fillRect/>
-          </a:stretch>
-        </p:blipFill>
-        <p:spPr bwMode="auto">
-          <a:xfrm>
-            <a:off x="2669313" y="2048260"/>
-            <a:ext cx="6905625" cy="3305175"/>
-          </a:xfrm>
-          <a:prstGeom prst="rect">
-            <a:avLst/>
-          </a:prstGeom>
-          <a:noFill/>
-          <a:ln w="9525">
-            <a:noFill/>
-            <a:miter lim="800000"/>
-            <a:headEnd/>
-            <a:tailEnd/>
-          </a:ln>
-          <a:effectLst/>
-        </p:spPr>
-      </p:pic>
-      <p:pic>
-        <p:nvPicPr>
-          <p:cNvPr id="3075" name="Picture 3"/>
-          <p:cNvPicPr>
-            <a:picLocks noChangeAspect="1" noChangeArrowheads="1"/>
-          </p:cNvPicPr>
-          <p:nvPr/>
-        </p:nvPicPr>
-        <p:blipFill>
-          <a:blip r:embed="rId3"/>
-          <a:srcRect/>
-          <a:stretch>
-            <a:fillRect/>
-          </a:stretch>
-        </p:blipFill>
-        <p:spPr bwMode="auto">
-          <a:xfrm>
-            <a:off x="4905647" y="5687650"/>
-            <a:ext cx="2171700" cy="942975"/>
-          </a:xfrm>
-          <a:prstGeom prst="rect">
-            <a:avLst/>
-          </a:prstGeom>
-          <a:noFill/>
-          <a:ln w="9525">
-            <a:noFill/>
-            <a:miter lim="800000"/>
-            <a:headEnd/>
-            <a:tailEnd/>
-          </a:ln>
-          <a:effectLst/>
-        </p:spPr>
-      </p:pic>
-    </p:spTree>
-  </p:cSld>
-  <p:clrMapOvr>
-    <a:masterClrMapping/>
-  </p:clrMapOvr>
-</p:sld>
-</file>
-
-<file path=ppt/slides/slide17.xml><?xml version="1.0" encoding="utf-8"?>
-<p:sld xmlns:a="http://schemas.openxmlformats.org/drawingml/2006/main" xmlns:r="http://schemas.openxmlformats.org/officeDocument/2006/relationships" xmlns:p="http://schemas.openxmlformats.org/presentationml/2006/main">
-  <p:cSld>
-    <p:spTree>
-      <p:nvGrpSpPr>
-        <p:cNvPr id="1" name=""/>
-        <p:cNvGrpSpPr/>
-        <p:nvPr/>
-      </p:nvGrpSpPr>
-      <p:grpSpPr>
-        <a:xfrm>
-          <a:off x="0" y="0"/>
-          <a:ext cx="0" cy="0"/>
-          <a:chOff x="0" y="0"/>
-          <a:chExt cx="0" cy="0"/>
-        </a:xfrm>
-      </p:grpSpPr>
-      <p:sp>
-        <p:nvSpPr>
-          <p:cNvPr id="2" name="Title 1"/>
-          <p:cNvSpPr>
-            <a:spLocks noGrp="1"/>
-          </p:cNvSpPr>
-          <p:nvPr>
-            <p:ph type="title"/>
-          </p:nvPr>
-        </p:nvSpPr>
-        <p:spPr/>
-        <p:txBody>
-          <a:bodyPr/>
-          <a:lstStyle/>
-          <a:p>
-            <a:r>
-              <a:rPr lang="en-US" dirty="0" smtClean="0"/>
-              <a:t>reduce</a:t>
-            </a:r>
-            <a:endParaRPr lang="en-US" dirty="0"/>
-          </a:p>
-        </p:txBody>
-      </p:sp>
-      <p:pic>
-        <p:nvPicPr>
-          <p:cNvPr id="13314" name="Picture 2"/>
-          <p:cNvPicPr>
-            <a:picLocks noGrp="1" noChangeAspect="1" noChangeArrowheads="1"/>
-          </p:cNvPicPr>
-          <p:nvPr>
-            <p:ph idx="1"/>
-          </p:nvPr>
-        </p:nvPicPr>
-        <p:blipFill>
-          <a:blip r:embed="rId2"/>
-          <a:srcRect/>
-          <a:stretch>
-            <a:fillRect/>
-          </a:stretch>
-        </p:blipFill>
-        <p:spPr bwMode="auto">
-          <a:xfrm>
-            <a:off x="2635023" y="1674745"/>
-            <a:ext cx="6791325" cy="2876550"/>
-          </a:xfrm>
-          <a:prstGeom prst="rect">
-            <a:avLst/>
-          </a:prstGeom>
-          <a:noFill/>
-          <a:ln w="9525">
-            <a:noFill/>
-            <a:miter lim="800000"/>
-            <a:headEnd/>
-            <a:tailEnd/>
-          </a:ln>
-          <a:effectLst/>
-        </p:spPr>
-      </p:pic>
-      <p:pic>
-        <p:nvPicPr>
-          <p:cNvPr id="13315" name="Picture 3"/>
-          <p:cNvPicPr>
-            <a:picLocks noChangeAspect="1" noChangeArrowheads="1"/>
-          </p:cNvPicPr>
-          <p:nvPr/>
-        </p:nvPicPr>
-        <p:blipFill>
-          <a:blip r:embed="rId3"/>
-          <a:srcRect/>
-          <a:stretch>
-            <a:fillRect/>
-          </a:stretch>
-        </p:blipFill>
-        <p:spPr bwMode="auto">
-          <a:xfrm>
-            <a:off x="4534090" y="5002123"/>
-            <a:ext cx="2939905" cy="641032"/>
-          </a:xfrm>
-          <a:prstGeom prst="rect">
-            <a:avLst/>
-          </a:prstGeom>
-          <a:noFill/>
-          <a:ln w="9525">
-            <a:noFill/>
-            <a:miter lim="800000"/>
-            <a:headEnd/>
-            <a:tailEnd/>
-          </a:ln>
-          <a:effectLst/>
-        </p:spPr>
-      </p:pic>
-    </p:spTree>
-  </p:cSld>
-  <p:clrMapOvr>
-    <a:masterClrMapping/>
-  </p:clrMapOvr>
-</p:sld>
-</file>
-
-<file path=ppt/slides/slide18.xml><?xml version="1.0" encoding="utf-8"?>
-<p:sld xmlns:a="http://schemas.openxmlformats.org/drawingml/2006/main" xmlns:r="http://schemas.openxmlformats.org/officeDocument/2006/relationships" xmlns:p="http://schemas.openxmlformats.org/presentationml/2006/main">
-  <p:cSld>
-    <p:spTree>
-      <p:nvGrpSpPr>
-        <p:cNvPr id="1" name=""/>
-        <p:cNvGrpSpPr/>
-        <p:nvPr/>
-      </p:nvGrpSpPr>
-      <p:grpSpPr>
-        <a:xfrm>
-          <a:off x="0" y="0"/>
-          <a:ext cx="0" cy="0"/>
-          <a:chOff x="0" y="0"/>
-          <a:chExt cx="0" cy="0"/>
-        </a:xfrm>
-      </p:grpSpPr>
-      <p:sp>
-        <p:nvSpPr>
-          <p:cNvPr id="2" name="Title 1"/>
-          <p:cNvSpPr>
-            <a:spLocks noGrp="1"/>
-          </p:cNvSpPr>
-          <p:nvPr>
-            <p:ph type="title"/>
-          </p:nvPr>
-        </p:nvSpPr>
-        <p:spPr/>
-        <p:txBody>
-          <a:bodyPr/>
-          <a:lstStyle/>
-          <a:p>
-            <a:r>
-              <a:rPr lang="en-US" dirty="0" err="1" smtClean="0"/>
-              <a:t>findIndex</a:t>
-            </a:r>
-            <a:endParaRPr lang="en-US" dirty="0"/>
-          </a:p>
-        </p:txBody>
-      </p:sp>
-      <p:pic>
-        <p:nvPicPr>
-          <p:cNvPr id="5122" name="Picture 2"/>
-          <p:cNvPicPr>
-            <a:picLocks noGrp="1" noChangeAspect="1" noChangeArrowheads="1"/>
-          </p:cNvPicPr>
-          <p:nvPr>
-            <p:ph idx="1"/>
-          </p:nvPr>
-        </p:nvPicPr>
-        <p:blipFill>
-          <a:blip r:embed="rId2"/>
-          <a:srcRect/>
-          <a:stretch>
-            <a:fillRect/>
-          </a:stretch>
-        </p:blipFill>
-        <p:spPr bwMode="auto">
-          <a:xfrm>
-            <a:off x="2298927" y="1837894"/>
-            <a:ext cx="7724775" cy="3438525"/>
-          </a:xfrm>
-          <a:prstGeom prst="rect">
-            <a:avLst/>
-          </a:prstGeom>
-          <a:noFill/>
-          <a:ln w="9525">
-            <a:noFill/>
-            <a:miter lim="800000"/>
-            <a:headEnd/>
-            <a:tailEnd/>
-          </a:ln>
-          <a:effectLst/>
-        </p:spPr>
-      </p:pic>
-      <p:pic>
-        <p:nvPicPr>
-          <p:cNvPr id="5123" name="Picture 3"/>
-          <p:cNvPicPr>
-            <a:picLocks noChangeAspect="1" noChangeArrowheads="1"/>
-          </p:cNvPicPr>
-          <p:nvPr/>
-        </p:nvPicPr>
-        <p:blipFill>
-          <a:blip r:embed="rId3"/>
-          <a:srcRect/>
-          <a:stretch>
-            <a:fillRect/>
-          </a:stretch>
-        </p:blipFill>
-        <p:spPr bwMode="auto">
-          <a:xfrm>
-            <a:off x="4710113" y="5768067"/>
-            <a:ext cx="2771775" cy="285750"/>
-          </a:xfrm>
-          <a:prstGeom prst="rect">
-            <a:avLst/>
-          </a:prstGeom>
-          <a:noFill/>
-          <a:ln w="9525">
-            <a:noFill/>
-            <a:miter lim="800000"/>
-            <a:headEnd/>
-            <a:tailEnd/>
-          </a:ln>
-          <a:effectLst/>
-        </p:spPr>
-      </p:pic>
-    </p:spTree>
-  </p:cSld>
-  <p:clrMapOvr>
-    <a:masterClrMapping/>
-  </p:clrMapOvr>
-</p:sld>
-</file>
-
-<file path=ppt/slides/slide19.xml><?xml version="1.0" encoding="utf-8"?>
-<p:sld xmlns:a="http://schemas.openxmlformats.org/drawingml/2006/main" xmlns:r="http://schemas.openxmlformats.org/officeDocument/2006/relationships" xmlns:p="http://schemas.openxmlformats.org/presentationml/2006/main">
-  <p:cSld>
-    <p:spTree>
-      <p:nvGrpSpPr>
-        <p:cNvPr id="1" name=""/>
-        <p:cNvGrpSpPr/>
-        <p:nvPr/>
-      </p:nvGrpSpPr>
-      <p:grpSpPr>
-        <a:xfrm>
-          <a:off x="0" y="0"/>
-          <a:ext cx="0" cy="0"/>
-          <a:chOff x="0" y="0"/>
-          <a:chExt cx="0" cy="0"/>
-        </a:xfrm>
-      </p:grpSpPr>
-      <p:sp>
-        <p:nvSpPr>
-          <p:cNvPr id="2" name="Title 1"/>
-          <p:cNvSpPr>
-            <a:spLocks noGrp="1"/>
-          </p:cNvSpPr>
-          <p:nvPr>
-            <p:ph type="title"/>
-          </p:nvPr>
-        </p:nvSpPr>
-        <p:spPr/>
-        <p:txBody>
-          <a:bodyPr/>
-          <a:lstStyle/>
-          <a:p>
-            <a:r>
-              <a:rPr lang="en-US" dirty="0" err="1" smtClean="0"/>
-              <a:t>findLast</a:t>
-            </a:r>
-            <a:endParaRPr lang="en-US" dirty="0"/>
-          </a:p>
-        </p:txBody>
-      </p:sp>
-      <p:pic>
-        <p:nvPicPr>
-          <p:cNvPr id="6146" name="Picture 2"/>
-          <p:cNvPicPr>
-            <a:picLocks noGrp="1" noChangeAspect="1" noChangeArrowheads="1"/>
-          </p:cNvPicPr>
-          <p:nvPr>
-            <p:ph idx="1"/>
-          </p:nvPr>
-        </p:nvPicPr>
-        <p:blipFill>
-          <a:blip r:embed="rId2"/>
-          <a:srcRect/>
-          <a:stretch>
-            <a:fillRect/>
-          </a:stretch>
-        </p:blipFill>
-        <p:spPr bwMode="auto">
-          <a:xfrm>
-            <a:off x="2290762" y="1936682"/>
-            <a:ext cx="7610475" cy="3267075"/>
-          </a:xfrm>
-          <a:prstGeom prst="rect">
-            <a:avLst/>
-          </a:prstGeom>
-          <a:noFill/>
-          <a:ln w="9525">
-            <a:noFill/>
-            <a:miter lim="800000"/>
-            <a:headEnd/>
-            <a:tailEnd/>
-          </a:ln>
-          <a:effectLst/>
-        </p:spPr>
-      </p:pic>
-      <p:pic>
-        <p:nvPicPr>
-          <p:cNvPr id="6147" name="Picture 3"/>
-          <p:cNvPicPr>
-            <a:picLocks noChangeAspect="1" noChangeArrowheads="1"/>
-          </p:cNvPicPr>
-          <p:nvPr/>
-        </p:nvPicPr>
-        <p:blipFill>
-          <a:blip r:embed="rId3"/>
-          <a:srcRect/>
-          <a:stretch>
-            <a:fillRect/>
-          </a:stretch>
-        </p:blipFill>
-        <p:spPr bwMode="auto">
-          <a:xfrm>
-            <a:off x="5224735" y="5733643"/>
-            <a:ext cx="2447925" cy="276225"/>
-          </a:xfrm>
-          <a:prstGeom prst="rect">
-            <a:avLst/>
-          </a:prstGeom>
-          <a:noFill/>
-          <a:ln w="9525">
-            <a:noFill/>
-            <a:miter lim="800000"/>
-            <a:headEnd/>
-            <a:tailEnd/>
-          </a:ln>
-          <a:effectLst/>
-        </p:spPr>
-      </p:pic>
-    </p:spTree>
-  </p:cSld>
-  <p:clrMapOvr>
-    <a:masterClrMapping/>
-  </p:clrMapOvr>
-</p:sld>
-</file>
-
 <file path=ppt/slides/slide2.xml><?xml version="1.0" encoding="utf-8"?>
 <p:sld xmlns:a="http://schemas.openxmlformats.org/drawingml/2006/main" xmlns:r="http://schemas.openxmlformats.org/officeDocument/2006/relationships" xmlns:p="http://schemas.openxmlformats.org/presentationml/2006/main">
   <p:cSld>
@@ -5122,1595 +4004,6 @@
 </p:sld>
 </file>
 
-<file path=ppt/slides/slide20.xml><?xml version="1.0" encoding="utf-8"?>
-<p:sld xmlns:a="http://schemas.openxmlformats.org/drawingml/2006/main" xmlns:r="http://schemas.openxmlformats.org/officeDocument/2006/relationships" xmlns:p="http://schemas.openxmlformats.org/presentationml/2006/main">
-  <p:cSld>
-    <p:spTree>
-      <p:nvGrpSpPr>
-        <p:cNvPr id="1" name=""/>
-        <p:cNvGrpSpPr/>
-        <p:nvPr/>
-      </p:nvGrpSpPr>
-      <p:grpSpPr>
-        <a:xfrm>
-          <a:off x="0" y="0"/>
-          <a:ext cx="0" cy="0"/>
-          <a:chOff x="0" y="0"/>
-          <a:chExt cx="0" cy="0"/>
-        </a:xfrm>
-      </p:grpSpPr>
-      <p:sp>
-        <p:nvSpPr>
-          <p:cNvPr id="2" name="Title 1"/>
-          <p:cNvSpPr>
-            <a:spLocks noGrp="1"/>
-          </p:cNvSpPr>
-          <p:nvPr>
-            <p:ph type="title"/>
-          </p:nvPr>
-        </p:nvSpPr>
-        <p:spPr/>
-        <p:txBody>
-          <a:bodyPr/>
-          <a:lstStyle/>
-          <a:p>
-            <a:r>
-              <a:rPr lang="en-US" dirty="0" err="1" smtClean="0"/>
-              <a:t>findLastIndex</a:t>
-            </a:r>
-            <a:endParaRPr lang="en-US" dirty="0"/>
-          </a:p>
-        </p:txBody>
-      </p:sp>
-      <p:pic>
-        <p:nvPicPr>
-          <p:cNvPr id="7170" name="Picture 2"/>
-          <p:cNvPicPr>
-            <a:picLocks noGrp="1" noChangeAspect="1" noChangeArrowheads="1"/>
-          </p:cNvPicPr>
-          <p:nvPr>
-            <p:ph idx="1"/>
-          </p:nvPr>
-        </p:nvPicPr>
-        <p:blipFill>
-          <a:blip r:embed="rId2"/>
-          <a:srcRect/>
-          <a:stretch>
-            <a:fillRect/>
-          </a:stretch>
-        </p:blipFill>
-        <p:spPr bwMode="auto">
-          <a:xfrm>
-            <a:off x="1819275" y="1998617"/>
-            <a:ext cx="8553450" cy="3431427"/>
-          </a:xfrm>
-          <a:prstGeom prst="rect">
-            <a:avLst/>
-          </a:prstGeom>
-          <a:noFill/>
-          <a:ln w="9525">
-            <a:noFill/>
-            <a:miter lim="800000"/>
-            <a:headEnd/>
-            <a:tailEnd/>
-          </a:ln>
-          <a:effectLst/>
-        </p:spPr>
-      </p:pic>
-      <p:pic>
-        <p:nvPicPr>
-          <p:cNvPr id="7171" name="Picture 3"/>
-          <p:cNvPicPr>
-            <a:picLocks noChangeAspect="1" noChangeArrowheads="1"/>
-          </p:cNvPicPr>
-          <p:nvPr/>
-        </p:nvPicPr>
-        <p:blipFill>
-          <a:blip r:embed="rId3"/>
-          <a:srcRect/>
-          <a:stretch>
-            <a:fillRect/>
-          </a:stretch>
-        </p:blipFill>
-        <p:spPr bwMode="auto">
-          <a:xfrm>
-            <a:off x="4650241" y="5841683"/>
-            <a:ext cx="2238375" cy="295275"/>
-          </a:xfrm>
-          <a:prstGeom prst="rect">
-            <a:avLst/>
-          </a:prstGeom>
-          <a:noFill/>
-          <a:ln w="9525">
-            <a:noFill/>
-            <a:miter lim="800000"/>
-            <a:headEnd/>
-            <a:tailEnd/>
-          </a:ln>
-          <a:effectLst/>
-        </p:spPr>
-      </p:pic>
-    </p:spTree>
-  </p:cSld>
-  <p:clrMapOvr>
-    <a:masterClrMapping/>
-  </p:clrMapOvr>
-</p:sld>
-</file>
-
-<file path=ppt/slides/slide21.xml><?xml version="1.0" encoding="utf-8"?>
-<p:sld xmlns:a="http://schemas.openxmlformats.org/drawingml/2006/main" xmlns:r="http://schemas.openxmlformats.org/officeDocument/2006/relationships" xmlns:p="http://schemas.openxmlformats.org/presentationml/2006/main">
-  <p:cSld>
-    <p:spTree>
-      <p:nvGrpSpPr>
-        <p:cNvPr id="1" name=""/>
-        <p:cNvGrpSpPr/>
-        <p:nvPr/>
-      </p:nvGrpSpPr>
-      <p:grpSpPr>
-        <a:xfrm>
-          <a:off x="0" y="0"/>
-          <a:ext cx="0" cy="0"/>
-          <a:chOff x="0" y="0"/>
-          <a:chExt cx="0" cy="0"/>
-        </a:xfrm>
-      </p:grpSpPr>
-      <p:sp>
-        <p:nvSpPr>
-          <p:cNvPr id="2" name="Title 1"/>
-          <p:cNvSpPr>
-            <a:spLocks noGrp="1"/>
-          </p:cNvSpPr>
-          <p:nvPr>
-            <p:ph type="title"/>
-          </p:nvPr>
-        </p:nvSpPr>
-        <p:spPr/>
-        <p:txBody>
-          <a:bodyPr/>
-          <a:lstStyle/>
-          <a:p>
-            <a:r>
-              <a:rPr lang="en-US" dirty="0" smtClean="0"/>
-              <a:t>some</a:t>
-            </a:r>
-            <a:endParaRPr lang="en-US" dirty="0"/>
-          </a:p>
-        </p:txBody>
-      </p:sp>
-      <p:pic>
-        <p:nvPicPr>
-          <p:cNvPr id="8194" name="Picture 2"/>
-          <p:cNvPicPr>
-            <a:picLocks noGrp="1" noChangeAspect="1" noChangeArrowheads="1"/>
-          </p:cNvPicPr>
-          <p:nvPr>
-            <p:ph idx="1"/>
-          </p:nvPr>
-        </p:nvPicPr>
-        <p:blipFill>
-          <a:blip r:embed="rId2"/>
-          <a:srcRect/>
-          <a:stretch>
-            <a:fillRect/>
-          </a:stretch>
-        </p:blipFill>
-        <p:spPr bwMode="auto">
-          <a:xfrm>
-            <a:off x="2526574" y="1698556"/>
-            <a:ext cx="7086600" cy="2828925"/>
-          </a:xfrm>
-          <a:prstGeom prst="rect">
-            <a:avLst/>
-          </a:prstGeom>
-          <a:noFill/>
-          <a:ln w="9525">
-            <a:noFill/>
-            <a:miter lim="800000"/>
-            <a:headEnd/>
-            <a:tailEnd/>
-          </a:ln>
-          <a:effectLst/>
-        </p:spPr>
-      </p:pic>
-      <p:pic>
-        <p:nvPicPr>
-          <p:cNvPr id="8195" name="Picture 3"/>
-          <p:cNvPicPr>
-            <a:picLocks noChangeAspect="1" noChangeArrowheads="1"/>
-          </p:cNvPicPr>
-          <p:nvPr/>
-        </p:nvPicPr>
-        <p:blipFill>
-          <a:blip r:embed="rId3"/>
-          <a:srcRect/>
-          <a:stretch>
-            <a:fillRect/>
-          </a:stretch>
-        </p:blipFill>
-        <p:spPr bwMode="auto">
-          <a:xfrm>
-            <a:off x="5259161" y="5088664"/>
-            <a:ext cx="1543050" cy="390525"/>
-          </a:xfrm>
-          <a:prstGeom prst="rect">
-            <a:avLst/>
-          </a:prstGeom>
-          <a:noFill/>
-          <a:ln w="9525">
-            <a:noFill/>
-            <a:miter lim="800000"/>
-            <a:headEnd/>
-            <a:tailEnd/>
-          </a:ln>
-          <a:effectLst/>
-        </p:spPr>
-      </p:pic>
-    </p:spTree>
-  </p:cSld>
-  <p:clrMapOvr>
-    <a:masterClrMapping/>
-  </p:clrMapOvr>
-</p:sld>
-</file>
-
-<file path=ppt/slides/slide22.xml><?xml version="1.0" encoding="utf-8"?>
-<p:sld xmlns:a="http://schemas.openxmlformats.org/drawingml/2006/main" xmlns:r="http://schemas.openxmlformats.org/officeDocument/2006/relationships" xmlns:p="http://schemas.openxmlformats.org/presentationml/2006/main">
-  <p:cSld>
-    <p:spTree>
-      <p:nvGrpSpPr>
-        <p:cNvPr id="1" name=""/>
-        <p:cNvGrpSpPr/>
-        <p:nvPr/>
-      </p:nvGrpSpPr>
-      <p:grpSpPr>
-        <a:xfrm>
-          <a:off x="0" y="0"/>
-          <a:ext cx="0" cy="0"/>
-          <a:chOff x="0" y="0"/>
-          <a:chExt cx="0" cy="0"/>
-        </a:xfrm>
-      </p:grpSpPr>
-      <p:sp>
-        <p:nvSpPr>
-          <p:cNvPr id="2" name="Title 1"/>
-          <p:cNvSpPr>
-            <a:spLocks noGrp="1"/>
-          </p:cNvSpPr>
-          <p:nvPr>
-            <p:ph type="title"/>
-          </p:nvPr>
-        </p:nvSpPr>
-        <p:spPr/>
-        <p:txBody>
-          <a:bodyPr/>
-          <a:lstStyle/>
-          <a:p>
-            <a:r>
-              <a:rPr lang="en-US" dirty="0" smtClean="0"/>
-              <a:t>every</a:t>
-            </a:r>
-            <a:endParaRPr lang="en-US" dirty="0"/>
-          </a:p>
-        </p:txBody>
-      </p:sp>
-      <p:pic>
-        <p:nvPicPr>
-          <p:cNvPr id="9218" name="Picture 2"/>
-          <p:cNvPicPr>
-            <a:picLocks noGrp="1" noChangeAspect="1" noChangeArrowheads="1"/>
-          </p:cNvPicPr>
-          <p:nvPr>
-            <p:ph idx="1"/>
-          </p:nvPr>
-        </p:nvPicPr>
-        <p:blipFill>
-          <a:blip r:embed="rId2"/>
-          <a:srcRect/>
-          <a:stretch>
-            <a:fillRect/>
-          </a:stretch>
-        </p:blipFill>
-        <p:spPr bwMode="auto">
-          <a:xfrm>
-            <a:off x="2195512" y="2062821"/>
-            <a:ext cx="7800975" cy="3067050"/>
-          </a:xfrm>
-          <a:prstGeom prst="rect">
-            <a:avLst/>
-          </a:prstGeom>
-          <a:noFill/>
-          <a:ln w="9525">
-            <a:noFill/>
-            <a:miter lim="800000"/>
-            <a:headEnd/>
-            <a:tailEnd/>
-          </a:ln>
-          <a:effectLst/>
-        </p:spPr>
-      </p:pic>
-      <p:pic>
-        <p:nvPicPr>
-          <p:cNvPr id="9219" name="Picture 3"/>
-          <p:cNvPicPr>
-            <a:picLocks noChangeAspect="1" noChangeArrowheads="1"/>
-          </p:cNvPicPr>
-          <p:nvPr/>
-        </p:nvPicPr>
-        <p:blipFill>
-          <a:blip r:embed="rId3"/>
-          <a:srcRect/>
-          <a:stretch>
-            <a:fillRect/>
-          </a:stretch>
-        </p:blipFill>
-        <p:spPr bwMode="auto">
-          <a:xfrm>
-            <a:off x="4920071" y="5588726"/>
-            <a:ext cx="2038350" cy="304800"/>
-          </a:xfrm>
-          <a:prstGeom prst="rect">
-            <a:avLst/>
-          </a:prstGeom>
-          <a:noFill/>
-          <a:ln w="9525">
-            <a:noFill/>
-            <a:miter lim="800000"/>
-            <a:headEnd/>
-            <a:tailEnd/>
-          </a:ln>
-          <a:effectLst/>
-        </p:spPr>
-      </p:pic>
-    </p:spTree>
-  </p:cSld>
-  <p:clrMapOvr>
-    <a:masterClrMapping/>
-  </p:clrMapOvr>
-</p:sld>
-</file>
-
-<file path=ppt/slides/slide23.xml><?xml version="1.0" encoding="utf-8"?>
-<p:sld xmlns:a="http://schemas.openxmlformats.org/drawingml/2006/main" xmlns:r="http://schemas.openxmlformats.org/officeDocument/2006/relationships" xmlns:p="http://schemas.openxmlformats.org/presentationml/2006/main">
-  <p:cSld>
-    <p:spTree>
-      <p:nvGrpSpPr>
-        <p:cNvPr id="1" name=""/>
-        <p:cNvGrpSpPr/>
-        <p:nvPr/>
-      </p:nvGrpSpPr>
-      <p:grpSpPr>
-        <a:xfrm>
-          <a:off x="0" y="0"/>
-          <a:ext cx="0" cy="0"/>
-          <a:chOff x="0" y="0"/>
-          <a:chExt cx="0" cy="0"/>
-        </a:xfrm>
-      </p:grpSpPr>
-      <p:sp>
-        <p:nvSpPr>
-          <p:cNvPr id="2" name="Title 1"/>
-          <p:cNvSpPr>
-            <a:spLocks noGrp="1"/>
-          </p:cNvSpPr>
-          <p:nvPr>
-            <p:ph type="title"/>
-          </p:nvPr>
-        </p:nvSpPr>
-        <p:spPr/>
-        <p:txBody>
-          <a:bodyPr/>
-          <a:lstStyle/>
-          <a:p>
-            <a:r>
-              <a:rPr lang="en-US" dirty="0" smtClean="0"/>
-              <a:t>Fill</a:t>
-            </a:r>
-            <a:endParaRPr lang="en-US" dirty="0"/>
-          </a:p>
-        </p:txBody>
-      </p:sp>
-      <p:pic>
-        <p:nvPicPr>
-          <p:cNvPr id="10242" name="Picture 2"/>
-          <p:cNvPicPr>
-            <a:picLocks noGrp="1" noChangeAspect="1" noChangeArrowheads="1"/>
-          </p:cNvPicPr>
-          <p:nvPr>
-            <p:ph idx="1"/>
-          </p:nvPr>
-        </p:nvPicPr>
-        <p:blipFill>
-          <a:blip r:embed="rId2"/>
-          <a:srcRect/>
-          <a:stretch>
-            <a:fillRect/>
-          </a:stretch>
-        </p:blipFill>
-        <p:spPr bwMode="auto">
-          <a:xfrm>
-            <a:off x="1959836" y="1436076"/>
-            <a:ext cx="8220075" cy="3122862"/>
-          </a:xfrm>
-          <a:prstGeom prst="rect">
-            <a:avLst/>
-          </a:prstGeom>
-          <a:noFill/>
-          <a:ln w="9525">
-            <a:noFill/>
-            <a:miter lim="800000"/>
-            <a:headEnd/>
-            <a:tailEnd/>
-          </a:ln>
-          <a:effectLst/>
-        </p:spPr>
-      </p:pic>
-      <p:pic>
-        <p:nvPicPr>
-          <p:cNvPr id="10243" name="Picture 3"/>
-          <p:cNvPicPr>
-            <a:picLocks noChangeAspect="1" noChangeArrowheads="1"/>
-          </p:cNvPicPr>
-          <p:nvPr/>
-        </p:nvPicPr>
-        <p:blipFill>
-          <a:blip r:embed="rId3"/>
-          <a:srcRect/>
-          <a:stretch>
-            <a:fillRect/>
-          </a:stretch>
-        </p:blipFill>
-        <p:spPr bwMode="auto">
-          <a:xfrm>
-            <a:off x="3931375" y="4918574"/>
-            <a:ext cx="4381500" cy="1514475"/>
-          </a:xfrm>
-          <a:prstGeom prst="rect">
-            <a:avLst/>
-          </a:prstGeom>
-          <a:noFill/>
-          <a:ln w="9525">
-            <a:noFill/>
-            <a:miter lim="800000"/>
-            <a:headEnd/>
-            <a:tailEnd/>
-          </a:ln>
-          <a:effectLst/>
-        </p:spPr>
-      </p:pic>
-    </p:spTree>
-  </p:cSld>
-  <p:clrMapOvr>
-    <a:masterClrMapping/>
-  </p:clrMapOvr>
-</p:sld>
-</file>
-
-<file path=ppt/slides/slide24.xml><?xml version="1.0" encoding="utf-8"?>
-<p:sld xmlns:a="http://schemas.openxmlformats.org/drawingml/2006/main" xmlns:r="http://schemas.openxmlformats.org/officeDocument/2006/relationships" xmlns:p="http://schemas.openxmlformats.org/presentationml/2006/main">
-  <p:cSld>
-    <p:spTree>
-      <p:nvGrpSpPr>
-        <p:cNvPr id="1" name=""/>
-        <p:cNvGrpSpPr/>
-        <p:nvPr/>
-      </p:nvGrpSpPr>
-      <p:grpSpPr>
-        <a:xfrm>
-          <a:off x="0" y="0"/>
-          <a:ext cx="0" cy="0"/>
-          <a:chOff x="0" y="0"/>
-          <a:chExt cx="0" cy="0"/>
-        </a:xfrm>
-      </p:grpSpPr>
-      <p:sp>
-        <p:nvSpPr>
-          <p:cNvPr id="2" name="Title 1"/>
-          <p:cNvSpPr>
-            <a:spLocks noGrp="1"/>
-          </p:cNvSpPr>
-          <p:nvPr>
-            <p:ph type="title"/>
-          </p:nvPr>
-        </p:nvSpPr>
-        <p:spPr/>
-        <p:txBody>
-          <a:bodyPr/>
-          <a:lstStyle/>
-          <a:p>
-            <a:r>
-              <a:rPr lang="en-US" dirty="0" err="1" smtClean="0"/>
-              <a:t>copywithin</a:t>
-            </a:r>
-            <a:endParaRPr lang="en-US" dirty="0"/>
-          </a:p>
-        </p:txBody>
-      </p:sp>
-      <p:pic>
-        <p:nvPicPr>
-          <p:cNvPr id="11266" name="Picture 2"/>
-          <p:cNvPicPr>
-            <a:picLocks noGrp="1" noChangeAspect="1" noChangeArrowheads="1"/>
-          </p:cNvPicPr>
-          <p:nvPr>
-            <p:ph idx="1"/>
-          </p:nvPr>
-        </p:nvPicPr>
-        <p:blipFill>
-          <a:blip r:embed="rId2"/>
-          <a:srcRect/>
-          <a:stretch>
-            <a:fillRect/>
-          </a:stretch>
-        </p:blipFill>
-        <p:spPr bwMode="auto">
-          <a:xfrm>
-            <a:off x="1904727" y="1541258"/>
-            <a:ext cx="8591550" cy="3248025"/>
-          </a:xfrm>
-          <a:prstGeom prst="rect">
-            <a:avLst/>
-          </a:prstGeom>
-          <a:noFill/>
-          <a:ln w="9525">
-            <a:noFill/>
-            <a:miter lim="800000"/>
-            <a:headEnd/>
-            <a:tailEnd/>
-          </a:ln>
-          <a:effectLst/>
-        </p:spPr>
-      </p:pic>
-      <p:pic>
-        <p:nvPicPr>
-          <p:cNvPr id="11267" name="Picture 3"/>
-          <p:cNvPicPr>
-            <a:picLocks noChangeAspect="1" noChangeArrowheads="1"/>
-          </p:cNvPicPr>
-          <p:nvPr/>
-        </p:nvPicPr>
-        <p:blipFill>
-          <a:blip r:embed="rId3"/>
-          <a:srcRect/>
-          <a:stretch>
-            <a:fillRect/>
-          </a:stretch>
-        </p:blipFill>
-        <p:spPr bwMode="auto">
-          <a:xfrm>
-            <a:off x="4311831" y="4930277"/>
-            <a:ext cx="3124200" cy="1647825"/>
-          </a:xfrm>
-          <a:prstGeom prst="rect">
-            <a:avLst/>
-          </a:prstGeom>
-          <a:noFill/>
-          <a:ln w="9525">
-            <a:noFill/>
-            <a:miter lim="800000"/>
-            <a:headEnd/>
-            <a:tailEnd/>
-          </a:ln>
-          <a:effectLst/>
-        </p:spPr>
-      </p:pic>
-    </p:spTree>
-  </p:cSld>
-  <p:clrMapOvr>
-    <a:masterClrMapping/>
-  </p:clrMapOvr>
-</p:sld>
-</file>
-
-<file path=ppt/slides/slide25.xml><?xml version="1.0" encoding="utf-8"?>
-<p:sld xmlns:a="http://schemas.openxmlformats.org/drawingml/2006/main" xmlns:r="http://schemas.openxmlformats.org/officeDocument/2006/relationships" xmlns:p="http://schemas.openxmlformats.org/presentationml/2006/main">
-  <p:cSld>
-    <p:spTree>
-      <p:nvGrpSpPr>
-        <p:cNvPr id="1" name=""/>
-        <p:cNvGrpSpPr/>
-        <p:nvPr/>
-      </p:nvGrpSpPr>
-      <p:grpSpPr>
-        <a:xfrm>
-          <a:off x="0" y="0"/>
-          <a:ext cx="0" cy="0"/>
-          <a:chOff x="0" y="0"/>
-          <a:chExt cx="0" cy="0"/>
-        </a:xfrm>
-      </p:grpSpPr>
-      <p:sp>
-        <p:nvSpPr>
-          <p:cNvPr id="2" name="Title 1"/>
-          <p:cNvSpPr>
-            <a:spLocks noGrp="1"/>
-          </p:cNvSpPr>
-          <p:nvPr>
-            <p:ph type="title"/>
-          </p:nvPr>
-        </p:nvSpPr>
-        <p:spPr/>
-        <p:txBody>
-          <a:bodyPr/>
-          <a:lstStyle/>
-          <a:p>
-            <a:r>
-              <a:rPr lang="en-US" dirty="0" err="1" smtClean="0"/>
-              <a:t>Copywithin</a:t>
-            </a:r>
-            <a:endParaRPr lang="en-US" dirty="0"/>
-          </a:p>
-        </p:txBody>
-      </p:sp>
-      <p:pic>
-        <p:nvPicPr>
-          <p:cNvPr id="12290" name="Picture 2"/>
-          <p:cNvPicPr>
-            <a:picLocks noGrp="1" noChangeAspect="1" noChangeArrowheads="1"/>
-          </p:cNvPicPr>
-          <p:nvPr>
-            <p:ph idx="1"/>
-          </p:nvPr>
-        </p:nvPicPr>
-        <p:blipFill>
-          <a:blip r:embed="rId2"/>
-          <a:srcRect/>
-          <a:stretch>
-            <a:fillRect/>
-          </a:stretch>
-        </p:blipFill>
-        <p:spPr bwMode="auto">
-          <a:xfrm>
-            <a:off x="1731645" y="1876538"/>
-            <a:ext cx="8362950" cy="2943225"/>
-          </a:xfrm>
-          <a:prstGeom prst="rect">
-            <a:avLst/>
-          </a:prstGeom>
-          <a:noFill/>
-          <a:ln w="9525">
-            <a:noFill/>
-            <a:miter lim="800000"/>
-            <a:headEnd/>
-            <a:tailEnd/>
-          </a:ln>
-          <a:effectLst/>
-        </p:spPr>
-      </p:pic>
-      <p:pic>
-        <p:nvPicPr>
-          <p:cNvPr id="12291" name="Picture 3"/>
-          <p:cNvPicPr>
-            <a:picLocks noChangeAspect="1" noChangeArrowheads="1"/>
-          </p:cNvPicPr>
-          <p:nvPr/>
-        </p:nvPicPr>
-        <p:blipFill>
-          <a:blip r:embed="rId3"/>
-          <a:srcRect/>
-          <a:stretch>
-            <a:fillRect/>
-          </a:stretch>
-        </p:blipFill>
-        <p:spPr bwMode="auto">
-          <a:xfrm>
-            <a:off x="3687673" y="5398363"/>
-            <a:ext cx="5495925" cy="581025"/>
-          </a:xfrm>
-          <a:prstGeom prst="rect">
-            <a:avLst/>
-          </a:prstGeom>
-          <a:noFill/>
-          <a:ln w="9525">
-            <a:noFill/>
-            <a:miter lim="800000"/>
-            <a:headEnd/>
-            <a:tailEnd/>
-          </a:ln>
-          <a:effectLst/>
-        </p:spPr>
-      </p:pic>
-    </p:spTree>
-  </p:cSld>
-  <p:clrMapOvr>
-    <a:masterClrMapping/>
-  </p:clrMapOvr>
-</p:sld>
-</file>
-
-<file path=ppt/slides/slide26.xml><?xml version="1.0" encoding="utf-8"?>
-<p:sld xmlns:a="http://schemas.openxmlformats.org/drawingml/2006/main" xmlns:r="http://schemas.openxmlformats.org/officeDocument/2006/relationships" xmlns:p="http://schemas.openxmlformats.org/presentationml/2006/main">
-  <p:cSld>
-    <p:spTree>
-      <p:nvGrpSpPr>
-        <p:cNvPr id="1" name=""/>
-        <p:cNvGrpSpPr/>
-        <p:nvPr/>
-      </p:nvGrpSpPr>
-      <p:grpSpPr>
-        <a:xfrm>
-          <a:off x="0" y="0"/>
-          <a:ext cx="0" cy="0"/>
-          <a:chOff x="0" y="0"/>
-          <a:chExt cx="0" cy="0"/>
-        </a:xfrm>
-      </p:grpSpPr>
-      <p:sp>
-        <p:nvSpPr>
-          <p:cNvPr id="2" name="Title 1"/>
-          <p:cNvSpPr>
-            <a:spLocks noGrp="1"/>
-          </p:cNvSpPr>
-          <p:nvPr>
-            <p:ph type="title"/>
-          </p:nvPr>
-        </p:nvSpPr>
-        <p:spPr/>
-        <p:txBody>
-          <a:bodyPr/>
-          <a:lstStyle/>
-          <a:p>
-            <a:r>
-              <a:rPr lang="en-US" dirty="0" err="1" smtClean="0"/>
-              <a:t>Map,Filter,Reduce</a:t>
-            </a:r>
-            <a:endParaRPr lang="en-US" dirty="0"/>
-          </a:p>
-        </p:txBody>
-      </p:sp>
-      <p:pic>
-        <p:nvPicPr>
-          <p:cNvPr id="8194" name="Picture 2"/>
-          <p:cNvPicPr>
-            <a:picLocks noGrp="1" noChangeAspect="1" noChangeArrowheads="1"/>
-          </p:cNvPicPr>
-          <p:nvPr>
-            <p:ph idx="1"/>
-          </p:nvPr>
-        </p:nvPicPr>
-        <p:blipFill>
-          <a:blip r:embed="rId2"/>
-          <a:srcRect/>
-          <a:stretch>
-            <a:fillRect/>
-          </a:stretch>
-        </p:blipFill>
-        <p:spPr bwMode="auto">
-          <a:xfrm>
-            <a:off x="1070189" y="1525180"/>
-            <a:ext cx="10216119" cy="5058500"/>
-          </a:xfrm>
-          <a:prstGeom prst="rect">
-            <a:avLst/>
-          </a:prstGeom>
-          <a:noFill/>
-          <a:ln w="9525">
-            <a:noFill/>
-            <a:miter lim="800000"/>
-            <a:headEnd/>
-            <a:tailEnd/>
-          </a:ln>
-          <a:effectLst/>
-        </p:spPr>
-      </p:pic>
-    </p:spTree>
-  </p:cSld>
-  <p:clrMapOvr>
-    <a:masterClrMapping/>
-  </p:clrMapOvr>
-</p:sld>
-</file>
-
-<file path=ppt/slides/slide27.xml><?xml version="1.0" encoding="utf-8"?>
-<p:sld xmlns:a="http://schemas.openxmlformats.org/drawingml/2006/main" xmlns:r="http://schemas.openxmlformats.org/officeDocument/2006/relationships" xmlns:p="http://schemas.openxmlformats.org/presentationml/2006/main">
-  <p:cSld>
-    <p:spTree>
-      <p:nvGrpSpPr>
-        <p:cNvPr id="1" name=""/>
-        <p:cNvGrpSpPr/>
-        <p:nvPr/>
-      </p:nvGrpSpPr>
-      <p:grpSpPr>
-        <a:xfrm>
-          <a:off x="0" y="0"/>
-          <a:ext cx="0" cy="0"/>
-          <a:chOff x="0" y="0"/>
-          <a:chExt cx="0" cy="0"/>
-        </a:xfrm>
-      </p:grpSpPr>
-      <p:sp>
-        <p:nvSpPr>
-          <p:cNvPr id="4" name="Content Placeholder 13"/>
-          <p:cNvSpPr txBox="1">
-            <a:spLocks/>
-          </p:cNvSpPr>
-          <p:nvPr/>
-        </p:nvSpPr>
-        <p:spPr>
-          <a:xfrm>
-            <a:off x="256350" y="19305"/>
-            <a:ext cx="9791700" cy="630192"/>
-          </a:xfrm>
-          <a:prstGeom prst="rect">
-            <a:avLst/>
-          </a:prstGeom>
-        </p:spPr>
-        <p:txBody>
-          <a:bodyPr vert="horz" lIns="91440" tIns="45720" rIns="91440" bIns="45720" rtlCol="0">
-            <a:noAutofit/>
-          </a:bodyPr>
-          <a:lstStyle>
-            <a:lvl1pPr marL="0" indent="0" algn="ctr" defTabSz="914400" rtl="0" eaLnBrk="1" latinLnBrk="0" hangingPunct="1">
-              <a:lnSpc>
-                <a:spcPct val="90000"/>
-              </a:lnSpc>
-              <a:spcBef>
-                <a:spcPts val="1000"/>
-              </a:spcBef>
-              <a:buFont typeface="Arial" panose="020B0604020202020204" pitchFamily="34" charset="0"/>
-              <a:buNone/>
-              <a:defRPr kumimoji="1" sz="2400" kern="1200">
-                <a:solidFill>
-                  <a:schemeClr val="tx1"/>
-                </a:solidFill>
-                <a:latin typeface="+mn-lt"/>
-                <a:ea typeface="+mn-ea"/>
-                <a:cs typeface="+mn-cs"/>
-              </a:defRPr>
-            </a:lvl1pPr>
-            <a:lvl2pPr marL="457200" indent="0" algn="ctr" defTabSz="914400" rtl="0" eaLnBrk="1" latinLnBrk="0" hangingPunct="1">
-              <a:lnSpc>
-                <a:spcPct val="90000"/>
-              </a:lnSpc>
-              <a:spcBef>
-                <a:spcPts val="500"/>
-              </a:spcBef>
-              <a:buFont typeface="Arial" panose="020B0604020202020204" pitchFamily="34" charset="0"/>
-              <a:buNone/>
-              <a:defRPr kumimoji="1" sz="2000" kern="1200">
-                <a:solidFill>
-                  <a:schemeClr val="tx1"/>
-                </a:solidFill>
-                <a:latin typeface="+mn-lt"/>
-                <a:ea typeface="+mn-ea"/>
-                <a:cs typeface="+mn-cs"/>
-              </a:defRPr>
-            </a:lvl2pPr>
-            <a:lvl3pPr marL="914400" indent="0" algn="ctr" defTabSz="914400" rtl="0" eaLnBrk="1" latinLnBrk="0" hangingPunct="1">
-              <a:lnSpc>
-                <a:spcPct val="90000"/>
-              </a:lnSpc>
-              <a:spcBef>
-                <a:spcPts val="500"/>
-              </a:spcBef>
-              <a:buFont typeface="Arial" panose="020B0604020202020204" pitchFamily="34" charset="0"/>
-              <a:buNone/>
-              <a:defRPr kumimoji="1" sz="1800" kern="1200">
-                <a:solidFill>
-                  <a:schemeClr val="tx1"/>
-                </a:solidFill>
-                <a:latin typeface="+mn-lt"/>
-                <a:ea typeface="+mn-ea"/>
-                <a:cs typeface="+mn-cs"/>
-              </a:defRPr>
-            </a:lvl3pPr>
-            <a:lvl4pPr marL="1371600" indent="0" algn="ctr" defTabSz="914400" rtl="0" eaLnBrk="1" latinLnBrk="0" hangingPunct="1">
-              <a:lnSpc>
-                <a:spcPct val="90000"/>
-              </a:lnSpc>
-              <a:spcBef>
-                <a:spcPts val="500"/>
-              </a:spcBef>
-              <a:buFont typeface="Arial" panose="020B0604020202020204" pitchFamily="34" charset="0"/>
-              <a:buNone/>
-              <a:defRPr kumimoji="1" sz="1600" kern="1200">
-                <a:solidFill>
-                  <a:schemeClr val="tx1"/>
-                </a:solidFill>
-                <a:latin typeface="+mn-lt"/>
-                <a:ea typeface="+mn-ea"/>
-                <a:cs typeface="+mn-cs"/>
-              </a:defRPr>
-            </a:lvl4pPr>
-            <a:lvl5pPr marL="1828800" indent="0" algn="ctr" defTabSz="914400" rtl="0" eaLnBrk="1" latinLnBrk="0" hangingPunct="1">
-              <a:lnSpc>
-                <a:spcPct val="90000"/>
-              </a:lnSpc>
-              <a:spcBef>
-                <a:spcPts val="500"/>
-              </a:spcBef>
-              <a:buFont typeface="Arial" panose="020B0604020202020204" pitchFamily="34" charset="0"/>
-              <a:buNone/>
-              <a:defRPr kumimoji="1" sz="1600" kern="1200">
-                <a:solidFill>
-                  <a:schemeClr val="tx1"/>
-                </a:solidFill>
-                <a:latin typeface="+mn-lt"/>
-                <a:ea typeface="+mn-ea"/>
-                <a:cs typeface="+mn-cs"/>
-              </a:defRPr>
-            </a:lvl5pPr>
-            <a:lvl6pPr marL="2286000" indent="0" algn="ctr" defTabSz="914400" rtl="0" eaLnBrk="1" latinLnBrk="0" hangingPunct="1">
-              <a:lnSpc>
-                <a:spcPct val="90000"/>
-              </a:lnSpc>
-              <a:spcBef>
-                <a:spcPts val="500"/>
-              </a:spcBef>
-              <a:buFont typeface="Arial" panose="020B0604020202020204" pitchFamily="34" charset="0"/>
-              <a:buNone/>
-              <a:defRPr kumimoji="1" sz="1600" kern="1200">
-                <a:solidFill>
-                  <a:schemeClr val="tx1"/>
-                </a:solidFill>
-                <a:latin typeface="+mn-lt"/>
-                <a:ea typeface="+mn-ea"/>
-                <a:cs typeface="+mn-cs"/>
-              </a:defRPr>
-            </a:lvl6pPr>
-            <a:lvl7pPr marL="2743200" indent="0" algn="ctr" defTabSz="914400" rtl="0" eaLnBrk="1" latinLnBrk="0" hangingPunct="1">
-              <a:lnSpc>
-                <a:spcPct val="90000"/>
-              </a:lnSpc>
-              <a:spcBef>
-                <a:spcPts val="500"/>
-              </a:spcBef>
-              <a:buFont typeface="Arial" panose="020B0604020202020204" pitchFamily="34" charset="0"/>
-              <a:buNone/>
-              <a:defRPr kumimoji="1" sz="1600" kern="1200">
-                <a:solidFill>
-                  <a:schemeClr val="tx1"/>
-                </a:solidFill>
-                <a:latin typeface="+mn-lt"/>
-                <a:ea typeface="+mn-ea"/>
-                <a:cs typeface="+mn-cs"/>
-              </a:defRPr>
-            </a:lvl7pPr>
-            <a:lvl8pPr marL="3200400" indent="0" algn="ctr" defTabSz="914400" rtl="0" eaLnBrk="1" latinLnBrk="0" hangingPunct="1">
-              <a:lnSpc>
-                <a:spcPct val="90000"/>
-              </a:lnSpc>
-              <a:spcBef>
-                <a:spcPts val="500"/>
-              </a:spcBef>
-              <a:buFont typeface="Arial" panose="020B0604020202020204" pitchFamily="34" charset="0"/>
-              <a:buNone/>
-              <a:defRPr kumimoji="1" sz="1600" kern="1200">
-                <a:solidFill>
-                  <a:schemeClr val="tx1"/>
-                </a:solidFill>
-                <a:latin typeface="+mn-lt"/>
-                <a:ea typeface="+mn-ea"/>
-                <a:cs typeface="+mn-cs"/>
-              </a:defRPr>
-            </a:lvl8pPr>
-            <a:lvl9pPr marL="3657600" indent="0" algn="ctr" defTabSz="914400" rtl="0" eaLnBrk="1" latinLnBrk="0" hangingPunct="1">
-              <a:lnSpc>
-                <a:spcPct val="90000"/>
-              </a:lnSpc>
-              <a:spcBef>
-                <a:spcPts val="500"/>
-              </a:spcBef>
-              <a:buFont typeface="Arial" panose="020B0604020202020204" pitchFamily="34" charset="0"/>
-              <a:buNone/>
-              <a:defRPr kumimoji="1" sz="1600" kern="1200">
-                <a:solidFill>
-                  <a:schemeClr val="tx1"/>
-                </a:solidFill>
-                <a:latin typeface="+mn-lt"/>
-                <a:ea typeface="+mn-ea"/>
-                <a:cs typeface="+mn-cs"/>
-              </a:defRPr>
-            </a:lvl9pPr>
-          </a:lstStyle>
-          <a:p>
-            <a:pPr algn="l"/>
-            <a:r>
-              <a:rPr lang="en-US" sz="3600" b="1" dirty="0" smtClean="0">
-                <a:solidFill>
-                  <a:srgbClr val="0064B5"/>
-                </a:solidFill>
-              </a:rPr>
-              <a:t>Object</a:t>
-            </a:r>
-            <a:endParaRPr lang="en-US" sz="3600" b="1" dirty="0">
-              <a:solidFill>
-                <a:srgbClr val="0064B5"/>
-              </a:solidFill>
-            </a:endParaRPr>
-          </a:p>
-        </p:txBody>
-      </p:sp>
-      <p:sp>
-        <p:nvSpPr>
-          <p:cNvPr id="11" name="Rectangle 10"/>
-          <p:cNvSpPr/>
-          <p:nvPr/>
-        </p:nvSpPr>
-        <p:spPr>
-          <a:xfrm>
-            <a:off x="261248" y="539309"/>
-            <a:ext cx="10228770" cy="369332"/>
-          </a:xfrm>
-          <a:prstGeom prst="rect">
-            <a:avLst/>
-          </a:prstGeom>
-        </p:spPr>
-        <p:txBody>
-          <a:bodyPr wrap="square">
-            <a:spAutoFit/>
-          </a:bodyPr>
-          <a:lstStyle/>
-          <a:p>
-            <a:r>
-              <a:rPr lang="en-US" dirty="0"/>
-              <a:t>JavaScript object is a non-primitive data-type that allows you to store multiple collections of data</a:t>
-            </a:r>
-            <a:endParaRPr lang="en-IN" b="1" u="sng" dirty="0"/>
-          </a:p>
-        </p:txBody>
-      </p:sp>
-      <p:sp>
-        <p:nvSpPr>
-          <p:cNvPr id="21" name="Rectangle 20"/>
-          <p:cNvSpPr/>
-          <p:nvPr/>
-        </p:nvSpPr>
-        <p:spPr>
-          <a:xfrm>
-            <a:off x="332279" y="985826"/>
-            <a:ext cx="4973685" cy="1463994"/>
-          </a:xfrm>
-          <a:prstGeom prst="rect">
-            <a:avLst/>
-          </a:prstGeom>
-          <a:gradFill flip="none" rotWithShape="1">
-            <a:gsLst>
-              <a:gs pos="0">
-                <a:schemeClr val="bg2"/>
-              </a:gs>
-              <a:gs pos="50000">
-                <a:schemeClr val="accent3">
-                  <a:lumMod val="20000"/>
-                  <a:lumOff val="80000"/>
-                  <a:shade val="67500"/>
-                  <a:satMod val="115000"/>
-                </a:schemeClr>
-              </a:gs>
-              <a:gs pos="100000">
-                <a:schemeClr val="accent3">
-                  <a:lumMod val="20000"/>
-                  <a:lumOff val="80000"/>
-                  <a:shade val="100000"/>
-                  <a:satMod val="115000"/>
-                </a:schemeClr>
-              </a:gs>
-            </a:gsLst>
-            <a:lin ang="6600000" scaled="0"/>
-            <a:tileRect/>
-          </a:gradFill>
-          <a:ln>
-            <a:solidFill>
-              <a:schemeClr val="tx1">
-                <a:lumMod val="50000"/>
-                <a:lumOff val="50000"/>
-              </a:schemeClr>
-            </a:solidFill>
-          </a:ln>
-        </p:spPr>
-        <p:style>
-          <a:lnRef idx="2">
-            <a:schemeClr val="accent1">
-              <a:shade val="50000"/>
-            </a:schemeClr>
-          </a:lnRef>
-          <a:fillRef idx="1">
-            <a:schemeClr val="accent1"/>
-          </a:fillRef>
-          <a:effectRef idx="0">
-            <a:schemeClr val="accent1"/>
-          </a:effectRef>
-          <a:fontRef idx="minor">
-            <a:schemeClr val="lt1"/>
-          </a:fontRef>
-        </p:style>
-        <p:txBody>
-          <a:bodyPr rtlCol="0" anchor="ctr"/>
-          <a:lstStyle/>
-          <a:p>
-            <a:r>
-              <a:rPr lang="en-US" sz="1500" b="1" u="sng" dirty="0" smtClean="0">
-                <a:solidFill>
-                  <a:schemeClr val="tx1"/>
-                </a:solidFill>
-              </a:rPr>
-              <a:t>Syntax:</a:t>
-            </a:r>
-          </a:p>
-          <a:p>
-            <a:r>
-              <a:rPr lang="en-US" sz="1500" dirty="0" err="1">
-                <a:solidFill>
-                  <a:schemeClr val="tx1"/>
-                </a:solidFill>
-              </a:rPr>
-              <a:t>const</a:t>
-            </a:r>
-            <a:r>
-              <a:rPr lang="en-US" sz="1500" dirty="0">
-                <a:solidFill>
-                  <a:schemeClr val="tx1"/>
-                </a:solidFill>
-              </a:rPr>
-              <a:t> </a:t>
-            </a:r>
-            <a:r>
-              <a:rPr lang="en-US" sz="1500" dirty="0" err="1">
-                <a:solidFill>
-                  <a:schemeClr val="tx1"/>
-                </a:solidFill>
-              </a:rPr>
-              <a:t>object_name</a:t>
-            </a:r>
-            <a:r>
-              <a:rPr lang="en-US" sz="1500" dirty="0">
-                <a:solidFill>
-                  <a:schemeClr val="tx1"/>
-                </a:solidFill>
-              </a:rPr>
-              <a:t> = {</a:t>
-            </a:r>
-          </a:p>
-          <a:p>
-            <a:r>
-              <a:rPr lang="en-US" sz="1500" dirty="0">
-                <a:solidFill>
-                  <a:schemeClr val="tx1"/>
-                </a:solidFill>
-              </a:rPr>
-              <a:t>   key1: value1,</a:t>
-            </a:r>
-          </a:p>
-          <a:p>
-            <a:r>
-              <a:rPr lang="en-US" sz="1500" dirty="0">
-                <a:solidFill>
-                  <a:schemeClr val="tx1"/>
-                </a:solidFill>
-              </a:rPr>
-              <a:t>   key2: value2</a:t>
-            </a:r>
-          </a:p>
-          <a:p>
-            <a:r>
-              <a:rPr lang="en-US" sz="1500" dirty="0" smtClean="0">
-                <a:solidFill>
-                  <a:schemeClr val="tx1"/>
-                </a:solidFill>
-              </a:rPr>
-              <a:t>}</a:t>
-            </a:r>
-            <a:endParaRPr lang="en-US" sz="1500" b="1" u="sng" dirty="0">
-              <a:solidFill>
-                <a:schemeClr val="tx1"/>
-              </a:solidFill>
-            </a:endParaRPr>
-          </a:p>
-        </p:txBody>
-      </p:sp>
-      <p:sp>
-        <p:nvSpPr>
-          <p:cNvPr id="17" name="Rectangle 16"/>
-          <p:cNvSpPr/>
-          <p:nvPr/>
-        </p:nvSpPr>
-        <p:spPr>
-          <a:xfrm>
-            <a:off x="332278" y="3220010"/>
-            <a:ext cx="4973685" cy="1559022"/>
-          </a:xfrm>
-          <a:prstGeom prst="rect">
-            <a:avLst/>
-          </a:prstGeom>
-          <a:gradFill flip="none" rotWithShape="1">
-            <a:gsLst>
-              <a:gs pos="0">
-                <a:schemeClr val="bg2"/>
-              </a:gs>
-              <a:gs pos="50000">
-                <a:schemeClr val="accent3">
-                  <a:lumMod val="20000"/>
-                  <a:lumOff val="80000"/>
-                  <a:shade val="67500"/>
-                  <a:satMod val="115000"/>
-                </a:schemeClr>
-              </a:gs>
-              <a:gs pos="100000">
-                <a:schemeClr val="accent3">
-                  <a:lumMod val="20000"/>
-                  <a:lumOff val="80000"/>
-                  <a:shade val="100000"/>
-                  <a:satMod val="115000"/>
-                </a:schemeClr>
-              </a:gs>
-            </a:gsLst>
-            <a:lin ang="6600000" scaled="0"/>
-            <a:tileRect/>
-          </a:gradFill>
-          <a:ln>
-            <a:solidFill>
-              <a:schemeClr val="tx1">
-                <a:lumMod val="50000"/>
-                <a:lumOff val="50000"/>
-              </a:schemeClr>
-            </a:solidFill>
-          </a:ln>
-        </p:spPr>
-        <p:style>
-          <a:lnRef idx="2">
-            <a:schemeClr val="accent1">
-              <a:shade val="50000"/>
-            </a:schemeClr>
-          </a:lnRef>
-          <a:fillRef idx="1">
-            <a:schemeClr val="accent1"/>
-          </a:fillRef>
-          <a:effectRef idx="0">
-            <a:schemeClr val="accent1"/>
-          </a:effectRef>
-          <a:fontRef idx="minor">
-            <a:schemeClr val="lt1"/>
-          </a:fontRef>
-        </p:style>
-        <p:txBody>
-          <a:bodyPr rtlCol="0" anchor="ctr"/>
-          <a:lstStyle/>
-          <a:p>
-            <a:r>
-              <a:rPr lang="en-US" sz="1500" dirty="0">
-                <a:solidFill>
-                  <a:schemeClr val="tx1"/>
-                </a:solidFill>
-              </a:rPr>
-              <a:t>// object creation</a:t>
-            </a:r>
-          </a:p>
-          <a:p>
-            <a:r>
-              <a:rPr lang="en-US" sz="1500" dirty="0" smtClean="0">
-                <a:solidFill>
-                  <a:schemeClr val="tx1"/>
-                </a:solidFill>
-              </a:rPr>
-              <a:t>let </a:t>
-            </a:r>
-            <a:r>
-              <a:rPr lang="en-US" sz="1500" dirty="0">
-                <a:solidFill>
-                  <a:schemeClr val="tx1"/>
-                </a:solidFill>
-              </a:rPr>
-              <a:t>person = { </a:t>
-            </a:r>
-          </a:p>
-          <a:p>
-            <a:r>
-              <a:rPr lang="en-US" sz="1500" dirty="0">
-                <a:solidFill>
-                  <a:schemeClr val="tx1"/>
-                </a:solidFill>
-              </a:rPr>
-              <a:t>    name: </a:t>
-            </a:r>
-            <a:r>
-              <a:rPr lang="en-US" sz="1500" dirty="0" smtClean="0">
-                <a:solidFill>
-                  <a:schemeClr val="tx1"/>
-                </a:solidFill>
-              </a:rPr>
-              <a:t>'John',</a:t>
-            </a:r>
-            <a:endParaRPr lang="en-US" sz="1500" dirty="0">
-              <a:solidFill>
-                <a:schemeClr val="tx1"/>
-              </a:solidFill>
-            </a:endParaRPr>
-          </a:p>
-          <a:p>
-            <a:r>
-              <a:rPr lang="en-US" sz="1500" dirty="0">
-                <a:solidFill>
-                  <a:schemeClr val="tx1"/>
-                </a:solidFill>
-              </a:rPr>
-              <a:t>    age: 20</a:t>
-            </a:r>
-          </a:p>
-          <a:p>
-            <a:r>
-              <a:rPr lang="en-US" sz="1500" dirty="0">
-                <a:solidFill>
-                  <a:schemeClr val="tx1"/>
-                </a:solidFill>
-              </a:rPr>
-              <a:t>};</a:t>
-            </a:r>
-          </a:p>
-          <a:p>
-            <a:r>
-              <a:rPr lang="en-US" sz="1500" dirty="0">
-                <a:solidFill>
-                  <a:schemeClr val="tx1"/>
-                </a:solidFill>
-              </a:rPr>
-              <a:t>console.log(</a:t>
-            </a:r>
-            <a:r>
-              <a:rPr lang="en-US" sz="1500" dirty="0" err="1">
-                <a:solidFill>
-                  <a:schemeClr val="tx1"/>
-                </a:solidFill>
-              </a:rPr>
-              <a:t>typeof</a:t>
-            </a:r>
-            <a:r>
-              <a:rPr lang="en-US" sz="1500" dirty="0">
-                <a:solidFill>
-                  <a:schemeClr val="tx1"/>
-                </a:solidFill>
-              </a:rPr>
-              <a:t> person); // object</a:t>
-            </a:r>
-          </a:p>
-        </p:txBody>
-      </p:sp>
-      <p:pic>
-        <p:nvPicPr>
-          <p:cNvPr id="7" name="Picture 6"/>
-          <p:cNvPicPr>
-            <a:picLocks noChangeAspect="1"/>
-          </p:cNvPicPr>
-          <p:nvPr/>
-        </p:nvPicPr>
-        <p:blipFill>
-          <a:blip r:embed="rId2"/>
-          <a:stretch>
-            <a:fillRect/>
-          </a:stretch>
-        </p:blipFill>
-        <p:spPr>
-          <a:xfrm>
-            <a:off x="6156960" y="1100603"/>
-            <a:ext cx="4876800" cy="1295400"/>
-          </a:xfrm>
-          <a:prstGeom prst="rect">
-            <a:avLst/>
-          </a:prstGeom>
-        </p:spPr>
-      </p:pic>
-      <p:sp>
-        <p:nvSpPr>
-          <p:cNvPr id="2" name="Rectangle 1"/>
-          <p:cNvSpPr/>
-          <p:nvPr/>
-        </p:nvSpPr>
-        <p:spPr>
-          <a:xfrm>
-            <a:off x="6156960" y="3220010"/>
-            <a:ext cx="4208203" cy="369332"/>
-          </a:xfrm>
-          <a:prstGeom prst="rect">
-            <a:avLst/>
-          </a:prstGeom>
-        </p:spPr>
-        <p:txBody>
-          <a:bodyPr wrap="none">
-            <a:spAutoFit/>
-          </a:bodyPr>
-          <a:lstStyle/>
-          <a:p>
-            <a:r>
-              <a:rPr lang="en-US" dirty="0">
-                <a:latin typeface="euclid_circular_a"/>
-              </a:rPr>
-              <a:t>"key: value" pairs are called </a:t>
-            </a:r>
-            <a:r>
-              <a:rPr lang="en-US" b="1" dirty="0">
-                <a:latin typeface="euclid_circular_a"/>
-              </a:rPr>
-              <a:t>properties</a:t>
-            </a:r>
-            <a:endParaRPr lang="en-IN" dirty="0"/>
-          </a:p>
-        </p:txBody>
-      </p:sp>
-    </p:spTree>
-    <p:extLst>
-      <p:ext uri="{BB962C8B-B14F-4D97-AF65-F5344CB8AC3E}">
-        <p14:creationId xmlns:p14="http://schemas.microsoft.com/office/powerpoint/2010/main" xmlns="" val="1954856189"/>
-      </p:ext>
-    </p:extLst>
-  </p:cSld>
-  <p:clrMapOvr>
-    <a:masterClrMapping/>
-  </p:clrMapOvr>
-  <p:timing>
-    <p:tnLst>
-      <p:par>
-        <p:cTn id="1" dur="indefinite" restart="never" nodeType="tmRoot"/>
-      </p:par>
-    </p:tnLst>
-  </p:timing>
-</p:sld>
-</file>
-
-<file path=ppt/slides/slide28.xml><?xml version="1.0" encoding="utf-8"?>
-<p:sld xmlns:a="http://schemas.openxmlformats.org/drawingml/2006/main" xmlns:r="http://schemas.openxmlformats.org/officeDocument/2006/relationships" xmlns:p="http://schemas.openxmlformats.org/presentationml/2006/main">
-  <p:cSld>
-    <p:spTree>
-      <p:nvGrpSpPr>
-        <p:cNvPr id="1" name=""/>
-        <p:cNvGrpSpPr/>
-        <p:nvPr/>
-      </p:nvGrpSpPr>
-      <p:grpSpPr>
-        <a:xfrm>
-          <a:off x="0" y="0"/>
-          <a:ext cx="0" cy="0"/>
-          <a:chOff x="0" y="0"/>
-          <a:chExt cx="0" cy="0"/>
-        </a:xfrm>
-      </p:grpSpPr>
-      <p:sp>
-        <p:nvSpPr>
-          <p:cNvPr id="2" name="Title 1"/>
-          <p:cNvSpPr>
-            <a:spLocks noGrp="1"/>
-          </p:cNvSpPr>
-          <p:nvPr>
-            <p:ph type="title"/>
-          </p:nvPr>
-        </p:nvSpPr>
-        <p:spPr/>
-        <p:txBody>
-          <a:bodyPr/>
-          <a:lstStyle/>
-          <a:p>
-            <a:r>
-              <a:rPr lang="en-IN" dirty="0" smtClean="0"/>
-              <a:t>What is object</a:t>
-            </a:r>
-            <a:endParaRPr lang="en-US" dirty="0"/>
-          </a:p>
-        </p:txBody>
-      </p:sp>
-      <p:pic>
-        <p:nvPicPr>
-          <p:cNvPr id="30722" name="Picture 2"/>
-          <p:cNvPicPr>
-            <a:picLocks noGrp="1" noChangeAspect="1" noChangeArrowheads="1"/>
-          </p:cNvPicPr>
-          <p:nvPr>
-            <p:ph idx="1"/>
-          </p:nvPr>
-        </p:nvPicPr>
-        <p:blipFill>
-          <a:blip r:embed="rId2"/>
-          <a:srcRect/>
-          <a:stretch>
-            <a:fillRect/>
-          </a:stretch>
-        </p:blipFill>
-        <p:spPr bwMode="auto">
-          <a:xfrm>
-            <a:off x="1308100" y="2313782"/>
-            <a:ext cx="8255000" cy="3438525"/>
-          </a:xfrm>
-          <a:prstGeom prst="rect">
-            <a:avLst/>
-          </a:prstGeom>
-          <a:noFill/>
-          <a:ln w="9525">
-            <a:noFill/>
-            <a:miter lim="800000"/>
-            <a:headEnd/>
-            <a:tailEnd/>
-          </a:ln>
-          <a:effectLst/>
-        </p:spPr>
-      </p:pic>
-    </p:spTree>
-  </p:cSld>
-  <p:clrMapOvr>
-    <a:masterClrMapping/>
-  </p:clrMapOvr>
-</p:sld>
-</file>
-
-<file path=ppt/slides/slide29.xml><?xml version="1.0" encoding="utf-8"?>
-<p:sld xmlns:a="http://schemas.openxmlformats.org/drawingml/2006/main" xmlns:r="http://schemas.openxmlformats.org/officeDocument/2006/relationships" xmlns:p="http://schemas.openxmlformats.org/presentationml/2006/main">
-  <p:cSld>
-    <p:spTree>
-      <p:nvGrpSpPr>
-        <p:cNvPr id="1" name=""/>
-        <p:cNvGrpSpPr/>
-        <p:nvPr/>
-      </p:nvGrpSpPr>
-      <p:grpSpPr>
-        <a:xfrm>
-          <a:off x="0" y="0"/>
-          <a:ext cx="0" cy="0"/>
-          <a:chOff x="0" y="0"/>
-          <a:chExt cx="0" cy="0"/>
-        </a:xfrm>
-      </p:grpSpPr>
-      <p:sp>
-        <p:nvSpPr>
-          <p:cNvPr id="2" name="Title 1"/>
-          <p:cNvSpPr>
-            <a:spLocks noGrp="1"/>
-          </p:cNvSpPr>
-          <p:nvPr>
-            <p:ph type="title"/>
-          </p:nvPr>
-        </p:nvSpPr>
-        <p:spPr/>
-        <p:txBody>
-          <a:bodyPr/>
-          <a:lstStyle/>
-          <a:p>
-            <a:r>
-              <a:rPr lang="en-IN" dirty="0" smtClean="0"/>
-              <a:t>Time and space complexity</a:t>
-            </a:r>
-            <a:endParaRPr lang="en-US" dirty="0"/>
-          </a:p>
-        </p:txBody>
-      </p:sp>
-      <p:pic>
-        <p:nvPicPr>
-          <p:cNvPr id="31746" name="Picture 2"/>
-          <p:cNvPicPr>
-            <a:picLocks noGrp="1" noChangeAspect="1" noChangeArrowheads="1"/>
-          </p:cNvPicPr>
-          <p:nvPr>
-            <p:ph idx="1"/>
-          </p:nvPr>
-        </p:nvPicPr>
-        <p:blipFill>
-          <a:blip r:embed="rId2"/>
-          <a:srcRect/>
-          <a:stretch>
-            <a:fillRect/>
-          </a:stretch>
-        </p:blipFill>
-        <p:spPr bwMode="auto">
-          <a:xfrm>
-            <a:off x="1085850" y="2000240"/>
-            <a:ext cx="8699500" cy="4071966"/>
-          </a:xfrm>
-          <a:prstGeom prst="rect">
-            <a:avLst/>
-          </a:prstGeom>
-          <a:noFill/>
-          <a:ln w="9525">
-            <a:noFill/>
-            <a:miter lim="800000"/>
-            <a:headEnd/>
-            <a:tailEnd/>
-          </a:ln>
-          <a:effectLst/>
-        </p:spPr>
-      </p:pic>
-    </p:spTree>
-  </p:cSld>
-  <p:clrMapOvr>
-    <a:masterClrMapping/>
-  </p:clrMapOvr>
-</p:sld>
-</file>
-
 <file path=ppt/slides/slide3.xml><?xml version="1.0" encoding="utf-8"?>
 <p:sld xmlns:a="http://schemas.openxmlformats.org/drawingml/2006/main" xmlns:r="http://schemas.openxmlformats.org/officeDocument/2006/relationships" xmlns:p="http://schemas.openxmlformats.org/presentationml/2006/main">
   <p:cSld>
@@ -7549,1263 +4842,6 @@
     <p:extLst>
       <p:ext uri="{BB962C8B-B14F-4D97-AF65-F5344CB8AC3E}">
         <p14:creationId xmlns:p14="http://schemas.microsoft.com/office/powerpoint/2010/main" xmlns="" val="1239172985"/>
-      </p:ext>
-    </p:extLst>
-  </p:cSld>
-  <p:clrMapOvr>
-    <a:masterClrMapping/>
-  </p:clrMapOvr>
-  <p:timing>
-    <p:tnLst>
-      <p:par>
-        <p:cTn id="1" dur="indefinite" restart="never" nodeType="tmRoot"/>
-      </p:par>
-    </p:tnLst>
-  </p:timing>
-</p:sld>
-</file>
-
-<file path=ppt/slides/slide30.xml><?xml version="1.0" encoding="utf-8"?>
-<p:sld xmlns:a="http://schemas.openxmlformats.org/drawingml/2006/main" xmlns:r="http://schemas.openxmlformats.org/officeDocument/2006/relationships" xmlns:p="http://schemas.openxmlformats.org/presentationml/2006/main">
-  <p:cSld>
-    <p:spTree>
-      <p:nvGrpSpPr>
-        <p:cNvPr id="1" name=""/>
-        <p:cNvGrpSpPr/>
-        <p:nvPr/>
-      </p:nvGrpSpPr>
-      <p:grpSpPr>
-        <a:xfrm>
-          <a:off x="0" y="0"/>
-          <a:ext cx="0" cy="0"/>
-          <a:chOff x="0" y="0"/>
-          <a:chExt cx="0" cy="0"/>
-        </a:xfrm>
-      </p:grpSpPr>
-      <p:sp>
-        <p:nvSpPr>
-          <p:cNvPr id="2" name="Title 1"/>
-          <p:cNvSpPr>
-            <a:spLocks noGrp="1"/>
-          </p:cNvSpPr>
-          <p:nvPr>
-            <p:ph type="title"/>
-          </p:nvPr>
-        </p:nvSpPr>
-        <p:spPr/>
-        <p:txBody>
-          <a:bodyPr/>
-          <a:lstStyle/>
-          <a:p>
-            <a:r>
-              <a:rPr lang="en-IN" dirty="0" smtClean="0"/>
-              <a:t>When to use it?</a:t>
-            </a:r>
-            <a:endParaRPr lang="en-US" dirty="0"/>
-          </a:p>
-        </p:txBody>
-      </p:sp>
-      <p:pic>
-        <p:nvPicPr>
-          <p:cNvPr id="32770" name="Picture 2"/>
-          <p:cNvPicPr>
-            <a:picLocks noGrp="1" noChangeAspect="1" noChangeArrowheads="1"/>
-          </p:cNvPicPr>
-          <p:nvPr>
-            <p:ph idx="1"/>
-          </p:nvPr>
-        </p:nvPicPr>
-        <p:blipFill>
-          <a:blip r:embed="rId2"/>
-          <a:srcRect/>
-          <a:stretch>
-            <a:fillRect/>
-          </a:stretch>
-        </p:blipFill>
-        <p:spPr bwMode="auto">
-          <a:xfrm>
-            <a:off x="1098550" y="1870869"/>
-            <a:ext cx="8674100" cy="4324350"/>
-          </a:xfrm>
-          <a:prstGeom prst="rect">
-            <a:avLst/>
-          </a:prstGeom>
-          <a:noFill/>
-          <a:ln w="9525">
-            <a:noFill/>
-            <a:miter lim="800000"/>
-            <a:headEnd/>
-            <a:tailEnd/>
-          </a:ln>
-          <a:effectLst/>
-        </p:spPr>
-      </p:pic>
-    </p:spTree>
-  </p:cSld>
-  <p:clrMapOvr>
-    <a:masterClrMapping/>
-  </p:clrMapOvr>
-</p:sld>
-</file>
-
-<file path=ppt/slides/slide31.xml><?xml version="1.0" encoding="utf-8"?>
-<p:sld xmlns:a="http://schemas.openxmlformats.org/drawingml/2006/main" xmlns:r="http://schemas.openxmlformats.org/officeDocument/2006/relationships" xmlns:p="http://schemas.openxmlformats.org/presentationml/2006/main">
-  <p:cSld>
-    <p:spTree>
-      <p:nvGrpSpPr>
-        <p:cNvPr id="1" name=""/>
-        <p:cNvGrpSpPr/>
-        <p:nvPr/>
-      </p:nvGrpSpPr>
-      <p:grpSpPr>
-        <a:xfrm>
-          <a:off x="0" y="0"/>
-          <a:ext cx="0" cy="0"/>
-          <a:chOff x="0" y="0"/>
-          <a:chExt cx="0" cy="0"/>
-        </a:xfrm>
-      </p:grpSpPr>
-      <p:sp>
-        <p:nvSpPr>
-          <p:cNvPr id="4" name="Content Placeholder 13"/>
-          <p:cNvSpPr txBox="1">
-            <a:spLocks/>
-          </p:cNvSpPr>
-          <p:nvPr/>
-        </p:nvSpPr>
-        <p:spPr>
-          <a:xfrm>
-            <a:off x="256350" y="19305"/>
-            <a:ext cx="9791700" cy="630192"/>
-          </a:xfrm>
-          <a:prstGeom prst="rect">
-            <a:avLst/>
-          </a:prstGeom>
-        </p:spPr>
-        <p:txBody>
-          <a:bodyPr vert="horz" lIns="91440" tIns="45720" rIns="91440" bIns="45720" rtlCol="0">
-            <a:noAutofit/>
-          </a:bodyPr>
-          <a:lstStyle>
-            <a:lvl1pPr marL="0" indent="0" algn="ctr" defTabSz="914400" rtl="0" eaLnBrk="1" latinLnBrk="0" hangingPunct="1">
-              <a:lnSpc>
-                <a:spcPct val="90000"/>
-              </a:lnSpc>
-              <a:spcBef>
-                <a:spcPts val="1000"/>
-              </a:spcBef>
-              <a:buFont typeface="Arial" panose="020B0604020202020204" pitchFamily="34" charset="0"/>
-              <a:buNone/>
-              <a:defRPr kumimoji="1" sz="2400" kern="1200">
-                <a:solidFill>
-                  <a:schemeClr val="tx1"/>
-                </a:solidFill>
-                <a:latin typeface="+mn-lt"/>
-                <a:ea typeface="+mn-ea"/>
-                <a:cs typeface="+mn-cs"/>
-              </a:defRPr>
-            </a:lvl1pPr>
-            <a:lvl2pPr marL="457200" indent="0" algn="ctr" defTabSz="914400" rtl="0" eaLnBrk="1" latinLnBrk="0" hangingPunct="1">
-              <a:lnSpc>
-                <a:spcPct val="90000"/>
-              </a:lnSpc>
-              <a:spcBef>
-                <a:spcPts val="500"/>
-              </a:spcBef>
-              <a:buFont typeface="Arial" panose="020B0604020202020204" pitchFamily="34" charset="0"/>
-              <a:buNone/>
-              <a:defRPr kumimoji="1" sz="2000" kern="1200">
-                <a:solidFill>
-                  <a:schemeClr val="tx1"/>
-                </a:solidFill>
-                <a:latin typeface="+mn-lt"/>
-                <a:ea typeface="+mn-ea"/>
-                <a:cs typeface="+mn-cs"/>
-              </a:defRPr>
-            </a:lvl2pPr>
-            <a:lvl3pPr marL="914400" indent="0" algn="ctr" defTabSz="914400" rtl="0" eaLnBrk="1" latinLnBrk="0" hangingPunct="1">
-              <a:lnSpc>
-                <a:spcPct val="90000"/>
-              </a:lnSpc>
-              <a:spcBef>
-                <a:spcPts val="500"/>
-              </a:spcBef>
-              <a:buFont typeface="Arial" panose="020B0604020202020204" pitchFamily="34" charset="0"/>
-              <a:buNone/>
-              <a:defRPr kumimoji="1" sz="1800" kern="1200">
-                <a:solidFill>
-                  <a:schemeClr val="tx1"/>
-                </a:solidFill>
-                <a:latin typeface="+mn-lt"/>
-                <a:ea typeface="+mn-ea"/>
-                <a:cs typeface="+mn-cs"/>
-              </a:defRPr>
-            </a:lvl3pPr>
-            <a:lvl4pPr marL="1371600" indent="0" algn="ctr" defTabSz="914400" rtl="0" eaLnBrk="1" latinLnBrk="0" hangingPunct="1">
-              <a:lnSpc>
-                <a:spcPct val="90000"/>
-              </a:lnSpc>
-              <a:spcBef>
-                <a:spcPts val="500"/>
-              </a:spcBef>
-              <a:buFont typeface="Arial" panose="020B0604020202020204" pitchFamily="34" charset="0"/>
-              <a:buNone/>
-              <a:defRPr kumimoji="1" sz="1600" kern="1200">
-                <a:solidFill>
-                  <a:schemeClr val="tx1"/>
-                </a:solidFill>
-                <a:latin typeface="+mn-lt"/>
-                <a:ea typeface="+mn-ea"/>
-                <a:cs typeface="+mn-cs"/>
-              </a:defRPr>
-            </a:lvl4pPr>
-            <a:lvl5pPr marL="1828800" indent="0" algn="ctr" defTabSz="914400" rtl="0" eaLnBrk="1" latinLnBrk="0" hangingPunct="1">
-              <a:lnSpc>
-                <a:spcPct val="90000"/>
-              </a:lnSpc>
-              <a:spcBef>
-                <a:spcPts val="500"/>
-              </a:spcBef>
-              <a:buFont typeface="Arial" panose="020B0604020202020204" pitchFamily="34" charset="0"/>
-              <a:buNone/>
-              <a:defRPr kumimoji="1" sz="1600" kern="1200">
-                <a:solidFill>
-                  <a:schemeClr val="tx1"/>
-                </a:solidFill>
-                <a:latin typeface="+mn-lt"/>
-                <a:ea typeface="+mn-ea"/>
-                <a:cs typeface="+mn-cs"/>
-              </a:defRPr>
-            </a:lvl5pPr>
-            <a:lvl6pPr marL="2286000" indent="0" algn="ctr" defTabSz="914400" rtl="0" eaLnBrk="1" latinLnBrk="0" hangingPunct="1">
-              <a:lnSpc>
-                <a:spcPct val="90000"/>
-              </a:lnSpc>
-              <a:spcBef>
-                <a:spcPts val="500"/>
-              </a:spcBef>
-              <a:buFont typeface="Arial" panose="020B0604020202020204" pitchFamily="34" charset="0"/>
-              <a:buNone/>
-              <a:defRPr kumimoji="1" sz="1600" kern="1200">
-                <a:solidFill>
-                  <a:schemeClr val="tx1"/>
-                </a:solidFill>
-                <a:latin typeface="+mn-lt"/>
-                <a:ea typeface="+mn-ea"/>
-                <a:cs typeface="+mn-cs"/>
-              </a:defRPr>
-            </a:lvl6pPr>
-            <a:lvl7pPr marL="2743200" indent="0" algn="ctr" defTabSz="914400" rtl="0" eaLnBrk="1" latinLnBrk="0" hangingPunct="1">
-              <a:lnSpc>
-                <a:spcPct val="90000"/>
-              </a:lnSpc>
-              <a:spcBef>
-                <a:spcPts val="500"/>
-              </a:spcBef>
-              <a:buFont typeface="Arial" panose="020B0604020202020204" pitchFamily="34" charset="0"/>
-              <a:buNone/>
-              <a:defRPr kumimoji="1" sz="1600" kern="1200">
-                <a:solidFill>
-                  <a:schemeClr val="tx1"/>
-                </a:solidFill>
-                <a:latin typeface="+mn-lt"/>
-                <a:ea typeface="+mn-ea"/>
-                <a:cs typeface="+mn-cs"/>
-              </a:defRPr>
-            </a:lvl7pPr>
-            <a:lvl8pPr marL="3200400" indent="0" algn="ctr" defTabSz="914400" rtl="0" eaLnBrk="1" latinLnBrk="0" hangingPunct="1">
-              <a:lnSpc>
-                <a:spcPct val="90000"/>
-              </a:lnSpc>
-              <a:spcBef>
-                <a:spcPts val="500"/>
-              </a:spcBef>
-              <a:buFont typeface="Arial" panose="020B0604020202020204" pitchFamily="34" charset="0"/>
-              <a:buNone/>
-              <a:defRPr kumimoji="1" sz="1600" kern="1200">
-                <a:solidFill>
-                  <a:schemeClr val="tx1"/>
-                </a:solidFill>
-                <a:latin typeface="+mn-lt"/>
-                <a:ea typeface="+mn-ea"/>
-                <a:cs typeface="+mn-cs"/>
-              </a:defRPr>
-            </a:lvl8pPr>
-            <a:lvl9pPr marL="3657600" indent="0" algn="ctr" defTabSz="914400" rtl="0" eaLnBrk="1" latinLnBrk="0" hangingPunct="1">
-              <a:lnSpc>
-                <a:spcPct val="90000"/>
-              </a:lnSpc>
-              <a:spcBef>
-                <a:spcPts val="500"/>
-              </a:spcBef>
-              <a:buFont typeface="Arial" panose="020B0604020202020204" pitchFamily="34" charset="0"/>
-              <a:buNone/>
-              <a:defRPr kumimoji="1" sz="1600" kern="1200">
-                <a:solidFill>
-                  <a:schemeClr val="tx1"/>
-                </a:solidFill>
-                <a:latin typeface="+mn-lt"/>
-                <a:ea typeface="+mn-ea"/>
-                <a:cs typeface="+mn-cs"/>
-              </a:defRPr>
-            </a:lvl9pPr>
-          </a:lstStyle>
-          <a:p>
-            <a:pPr algn="l"/>
-            <a:r>
-              <a:rPr lang="en-US" sz="3600" b="1" dirty="0" smtClean="0">
-                <a:solidFill>
-                  <a:srgbClr val="0064B5"/>
-                </a:solidFill>
-              </a:rPr>
-              <a:t>Object</a:t>
-            </a:r>
-            <a:endParaRPr lang="en-US" sz="3600" b="1" dirty="0">
-              <a:solidFill>
-                <a:srgbClr val="0064B5"/>
-              </a:solidFill>
-            </a:endParaRPr>
-          </a:p>
-        </p:txBody>
-      </p:sp>
-      <p:sp>
-        <p:nvSpPr>
-          <p:cNvPr id="11" name="Rectangle 10"/>
-          <p:cNvSpPr/>
-          <p:nvPr/>
-        </p:nvSpPr>
-        <p:spPr>
-          <a:xfrm>
-            <a:off x="261248" y="539309"/>
-            <a:ext cx="10228770" cy="369332"/>
-          </a:xfrm>
-          <a:prstGeom prst="rect">
-            <a:avLst/>
-          </a:prstGeom>
-        </p:spPr>
-        <p:txBody>
-          <a:bodyPr wrap="square">
-            <a:spAutoFit/>
-          </a:bodyPr>
-          <a:lstStyle/>
-          <a:p>
-            <a:r>
-              <a:rPr lang="en-US" b="1" dirty="0"/>
-              <a:t>Accessing Object </a:t>
-            </a:r>
-            <a:r>
-              <a:rPr lang="en-US" b="1" dirty="0" smtClean="0"/>
-              <a:t>Properties: </a:t>
-            </a:r>
-            <a:endParaRPr lang="en-IN" b="1" u="sng" dirty="0"/>
-          </a:p>
-        </p:txBody>
-      </p:sp>
-      <p:sp>
-        <p:nvSpPr>
-          <p:cNvPr id="21" name="Rectangle 20"/>
-          <p:cNvSpPr/>
-          <p:nvPr/>
-        </p:nvSpPr>
-        <p:spPr>
-          <a:xfrm>
-            <a:off x="332279" y="985826"/>
-            <a:ext cx="4973685" cy="1513534"/>
-          </a:xfrm>
-          <a:prstGeom prst="rect">
-            <a:avLst/>
-          </a:prstGeom>
-          <a:gradFill flip="none" rotWithShape="1">
-            <a:gsLst>
-              <a:gs pos="0">
-                <a:schemeClr val="bg2"/>
-              </a:gs>
-              <a:gs pos="50000">
-                <a:schemeClr val="accent3">
-                  <a:lumMod val="20000"/>
-                  <a:lumOff val="80000"/>
-                  <a:shade val="67500"/>
-                  <a:satMod val="115000"/>
-                </a:schemeClr>
-              </a:gs>
-              <a:gs pos="100000">
-                <a:schemeClr val="accent3">
-                  <a:lumMod val="20000"/>
-                  <a:lumOff val="80000"/>
-                  <a:shade val="100000"/>
-                  <a:satMod val="115000"/>
-                </a:schemeClr>
-              </a:gs>
-            </a:gsLst>
-            <a:lin ang="6600000" scaled="0"/>
-            <a:tileRect/>
-          </a:gradFill>
-          <a:ln>
-            <a:solidFill>
-              <a:schemeClr val="tx1">
-                <a:lumMod val="50000"/>
-                <a:lumOff val="50000"/>
-              </a:schemeClr>
-            </a:solidFill>
-          </a:ln>
-        </p:spPr>
-        <p:style>
-          <a:lnRef idx="2">
-            <a:schemeClr val="accent1">
-              <a:shade val="50000"/>
-            </a:schemeClr>
-          </a:lnRef>
-          <a:fillRef idx="1">
-            <a:schemeClr val="accent1"/>
-          </a:fillRef>
-          <a:effectRef idx="0">
-            <a:schemeClr val="accent1"/>
-          </a:effectRef>
-          <a:fontRef idx="minor">
-            <a:schemeClr val="lt1"/>
-          </a:fontRef>
-        </p:style>
-        <p:txBody>
-          <a:bodyPr rtlCol="0" anchor="ctr"/>
-          <a:lstStyle/>
-          <a:p>
-            <a:r>
-              <a:rPr lang="en-US" sz="1500" b="1" u="sng" dirty="0" smtClean="0">
-                <a:solidFill>
-                  <a:schemeClr val="tx1"/>
-                </a:solidFill>
-              </a:rPr>
-              <a:t>Syntax:</a:t>
-            </a:r>
-          </a:p>
-          <a:p>
-            <a:r>
-              <a:rPr lang="en-US" sz="1500" dirty="0" err="1" smtClean="0">
-                <a:solidFill>
-                  <a:schemeClr val="tx1"/>
-                </a:solidFill>
-              </a:rPr>
-              <a:t>objectName.key</a:t>
-            </a:r>
-            <a:endParaRPr lang="en-US" sz="1500" b="1" u="sng" dirty="0">
-              <a:solidFill>
-                <a:schemeClr val="tx1"/>
-              </a:solidFill>
-            </a:endParaRPr>
-          </a:p>
-          <a:p>
-            <a:r>
-              <a:rPr lang="en-US" sz="1500" dirty="0" smtClean="0">
-                <a:solidFill>
-                  <a:schemeClr val="tx1"/>
-                </a:solidFill>
-              </a:rPr>
-              <a:t>Or</a:t>
-            </a:r>
-            <a:endParaRPr lang="en-US" sz="1500" dirty="0">
-              <a:solidFill>
-                <a:schemeClr val="tx1"/>
-              </a:solidFill>
-            </a:endParaRPr>
-          </a:p>
-          <a:p>
-            <a:r>
-              <a:rPr lang="en-US" sz="1500" dirty="0" err="1">
-                <a:solidFill>
-                  <a:schemeClr val="tx1"/>
-                </a:solidFill>
-              </a:rPr>
-              <a:t>objectName</a:t>
-            </a:r>
-            <a:r>
-              <a:rPr lang="en-US" sz="1500" dirty="0">
-                <a:solidFill>
-                  <a:schemeClr val="tx1"/>
-                </a:solidFill>
-              </a:rPr>
-              <a:t>["</a:t>
-            </a:r>
-            <a:r>
-              <a:rPr lang="en-US" sz="1500" dirty="0" err="1">
-                <a:solidFill>
-                  <a:schemeClr val="tx1"/>
-                </a:solidFill>
-              </a:rPr>
-              <a:t>propertyName</a:t>
-            </a:r>
-            <a:r>
-              <a:rPr lang="en-US" sz="1500" dirty="0">
-                <a:solidFill>
-                  <a:schemeClr val="tx1"/>
-                </a:solidFill>
-              </a:rPr>
-              <a:t>"]</a:t>
-            </a:r>
-          </a:p>
-        </p:txBody>
-      </p:sp>
-      <p:sp>
-        <p:nvSpPr>
-          <p:cNvPr id="17" name="Rectangle 16"/>
-          <p:cNvSpPr/>
-          <p:nvPr/>
-        </p:nvSpPr>
-        <p:spPr>
-          <a:xfrm>
-            <a:off x="332278" y="2610409"/>
-            <a:ext cx="4973685" cy="3519936"/>
-          </a:xfrm>
-          <a:prstGeom prst="rect">
-            <a:avLst/>
-          </a:prstGeom>
-          <a:gradFill flip="none" rotWithShape="1">
-            <a:gsLst>
-              <a:gs pos="0">
-                <a:schemeClr val="bg2"/>
-              </a:gs>
-              <a:gs pos="50000">
-                <a:schemeClr val="accent3">
-                  <a:lumMod val="20000"/>
-                  <a:lumOff val="80000"/>
-                  <a:shade val="67500"/>
-                  <a:satMod val="115000"/>
-                </a:schemeClr>
-              </a:gs>
-              <a:gs pos="100000">
-                <a:schemeClr val="accent3">
-                  <a:lumMod val="20000"/>
-                  <a:lumOff val="80000"/>
-                  <a:shade val="100000"/>
-                  <a:satMod val="115000"/>
-                </a:schemeClr>
-              </a:gs>
-            </a:gsLst>
-            <a:lin ang="6600000" scaled="0"/>
-            <a:tileRect/>
-          </a:gradFill>
-          <a:ln>
-            <a:solidFill>
-              <a:schemeClr val="tx1">
-                <a:lumMod val="50000"/>
-                <a:lumOff val="50000"/>
-              </a:schemeClr>
-            </a:solidFill>
-          </a:ln>
-        </p:spPr>
-        <p:style>
-          <a:lnRef idx="2">
-            <a:schemeClr val="accent1">
-              <a:shade val="50000"/>
-            </a:schemeClr>
-          </a:lnRef>
-          <a:fillRef idx="1">
-            <a:schemeClr val="accent1"/>
-          </a:fillRef>
-          <a:effectRef idx="0">
-            <a:schemeClr val="accent1"/>
-          </a:effectRef>
-          <a:fontRef idx="minor">
-            <a:schemeClr val="lt1"/>
-          </a:fontRef>
-        </p:style>
-        <p:txBody>
-          <a:bodyPr rtlCol="0" anchor="ctr"/>
-          <a:lstStyle/>
-          <a:p>
-            <a:r>
-              <a:rPr lang="en-US" sz="1500" dirty="0" err="1">
-                <a:solidFill>
-                  <a:schemeClr val="tx1"/>
-                </a:solidFill>
-              </a:rPr>
-              <a:t>const</a:t>
-            </a:r>
-            <a:r>
-              <a:rPr lang="en-US" sz="1500" dirty="0">
-                <a:solidFill>
-                  <a:schemeClr val="tx1"/>
-                </a:solidFill>
-              </a:rPr>
-              <a:t> person = { </a:t>
-            </a:r>
-          </a:p>
-          <a:p>
-            <a:r>
-              <a:rPr lang="en-US" sz="1500" dirty="0">
-                <a:solidFill>
-                  <a:schemeClr val="tx1"/>
-                </a:solidFill>
-              </a:rPr>
-              <a:t>    name: 'John', </a:t>
-            </a:r>
-          </a:p>
-          <a:p>
-            <a:r>
-              <a:rPr lang="en-US" sz="1500" dirty="0">
-                <a:solidFill>
-                  <a:schemeClr val="tx1"/>
-                </a:solidFill>
-              </a:rPr>
-              <a:t>    age: 20, </a:t>
-            </a:r>
-          </a:p>
-          <a:p>
-            <a:r>
-              <a:rPr lang="en-US" sz="1500" dirty="0">
-                <a:solidFill>
-                  <a:schemeClr val="tx1"/>
-                </a:solidFill>
-              </a:rPr>
-              <a:t>};</a:t>
-            </a:r>
-          </a:p>
-          <a:p>
-            <a:endParaRPr lang="en-US" sz="1500" dirty="0">
-              <a:solidFill>
-                <a:schemeClr val="tx1"/>
-              </a:solidFill>
-            </a:endParaRPr>
-          </a:p>
-          <a:p>
-            <a:r>
-              <a:rPr lang="en-US" sz="1500" dirty="0">
-                <a:solidFill>
-                  <a:schemeClr val="tx1"/>
-                </a:solidFill>
-              </a:rPr>
-              <a:t>// accessing property</a:t>
-            </a:r>
-          </a:p>
-          <a:p>
-            <a:r>
-              <a:rPr lang="en-US" sz="1500" dirty="0">
-                <a:solidFill>
-                  <a:schemeClr val="tx1"/>
-                </a:solidFill>
-              </a:rPr>
-              <a:t>console.log(person.name); // </a:t>
-            </a:r>
-            <a:r>
-              <a:rPr lang="en-US" sz="1500" dirty="0" smtClean="0">
-                <a:solidFill>
-                  <a:schemeClr val="tx1"/>
-                </a:solidFill>
-              </a:rPr>
-              <a:t>John</a:t>
-            </a:r>
-          </a:p>
-          <a:p>
-            <a:endParaRPr lang="en-US" sz="1500" dirty="0">
-              <a:solidFill>
-                <a:schemeClr val="tx1"/>
-              </a:solidFill>
-            </a:endParaRPr>
-          </a:p>
-          <a:p>
-            <a:r>
-              <a:rPr lang="en-US" sz="1500" dirty="0" err="1">
-                <a:solidFill>
-                  <a:schemeClr val="tx1"/>
-                </a:solidFill>
-              </a:rPr>
-              <a:t>const</a:t>
-            </a:r>
-            <a:r>
-              <a:rPr lang="en-US" sz="1500" dirty="0">
-                <a:solidFill>
-                  <a:schemeClr val="tx1"/>
-                </a:solidFill>
-              </a:rPr>
-              <a:t> person = { </a:t>
-            </a:r>
-          </a:p>
-          <a:p>
-            <a:r>
-              <a:rPr lang="en-US" sz="1500" dirty="0">
-                <a:solidFill>
-                  <a:schemeClr val="tx1"/>
-                </a:solidFill>
-              </a:rPr>
-              <a:t>    name: 'John', </a:t>
-            </a:r>
-          </a:p>
-          <a:p>
-            <a:r>
-              <a:rPr lang="en-US" sz="1500" dirty="0">
-                <a:solidFill>
-                  <a:schemeClr val="tx1"/>
-                </a:solidFill>
-              </a:rPr>
-              <a:t>    age: 20, </a:t>
-            </a:r>
-          </a:p>
-          <a:p>
-            <a:r>
-              <a:rPr lang="en-US" sz="1500" dirty="0">
-                <a:solidFill>
-                  <a:schemeClr val="tx1"/>
-                </a:solidFill>
-              </a:rPr>
-              <a:t>};</a:t>
-            </a:r>
-          </a:p>
-          <a:p>
-            <a:endParaRPr lang="en-US" sz="1500" dirty="0">
-              <a:solidFill>
-                <a:schemeClr val="tx1"/>
-              </a:solidFill>
-            </a:endParaRPr>
-          </a:p>
-          <a:p>
-            <a:r>
-              <a:rPr lang="en-US" sz="1500" dirty="0">
-                <a:solidFill>
-                  <a:schemeClr val="tx1"/>
-                </a:solidFill>
-              </a:rPr>
-              <a:t>// accessing property</a:t>
-            </a:r>
-          </a:p>
-          <a:p>
-            <a:r>
-              <a:rPr lang="en-US" sz="1500" dirty="0">
-                <a:solidFill>
-                  <a:schemeClr val="tx1"/>
-                </a:solidFill>
-              </a:rPr>
-              <a:t>console.log(person["name"]); // John</a:t>
-            </a:r>
-          </a:p>
-        </p:txBody>
-      </p:sp>
-    </p:spTree>
-    <p:extLst>
-      <p:ext uri="{BB962C8B-B14F-4D97-AF65-F5344CB8AC3E}">
-        <p14:creationId xmlns:p14="http://schemas.microsoft.com/office/powerpoint/2010/main" xmlns="" val="3616488687"/>
-      </p:ext>
-    </p:extLst>
-  </p:cSld>
-  <p:clrMapOvr>
-    <a:masterClrMapping/>
-  </p:clrMapOvr>
-  <p:timing>
-    <p:tnLst>
-      <p:par>
-        <p:cTn id="1" dur="indefinite" restart="never" nodeType="tmRoot"/>
-      </p:par>
-    </p:tnLst>
-  </p:timing>
-</p:sld>
-</file>
-
-<file path=ppt/slides/slide32.xml><?xml version="1.0" encoding="utf-8"?>
-<p:sld xmlns:a="http://schemas.openxmlformats.org/drawingml/2006/main" xmlns:r="http://schemas.openxmlformats.org/officeDocument/2006/relationships" xmlns:p="http://schemas.openxmlformats.org/presentationml/2006/main">
-  <p:cSld>
-    <p:spTree>
-      <p:nvGrpSpPr>
-        <p:cNvPr id="1" name=""/>
-        <p:cNvGrpSpPr/>
-        <p:nvPr/>
-      </p:nvGrpSpPr>
-      <p:grpSpPr>
-        <a:xfrm>
-          <a:off x="0" y="0"/>
-          <a:ext cx="0" cy="0"/>
-          <a:chOff x="0" y="0"/>
-          <a:chExt cx="0" cy="0"/>
-        </a:xfrm>
-      </p:grpSpPr>
-      <p:sp>
-        <p:nvSpPr>
-          <p:cNvPr id="4" name="Content Placeholder 13"/>
-          <p:cNvSpPr txBox="1">
-            <a:spLocks/>
-          </p:cNvSpPr>
-          <p:nvPr/>
-        </p:nvSpPr>
-        <p:spPr>
-          <a:xfrm>
-            <a:off x="186682" y="19305"/>
-            <a:ext cx="9791700" cy="630192"/>
-          </a:xfrm>
-          <a:prstGeom prst="rect">
-            <a:avLst/>
-          </a:prstGeom>
-        </p:spPr>
-        <p:txBody>
-          <a:bodyPr vert="horz" lIns="91440" tIns="45720" rIns="91440" bIns="45720" rtlCol="0">
-            <a:noAutofit/>
-          </a:bodyPr>
-          <a:lstStyle>
-            <a:lvl1pPr marL="0" indent="0" algn="ctr" defTabSz="914400" rtl="0" eaLnBrk="1" latinLnBrk="0" hangingPunct="1">
-              <a:lnSpc>
-                <a:spcPct val="90000"/>
-              </a:lnSpc>
-              <a:spcBef>
-                <a:spcPts val="1000"/>
-              </a:spcBef>
-              <a:buFont typeface="Arial" panose="020B0604020202020204" pitchFamily="34" charset="0"/>
-              <a:buNone/>
-              <a:defRPr kumimoji="1" sz="2400" kern="1200">
-                <a:solidFill>
-                  <a:schemeClr val="tx1"/>
-                </a:solidFill>
-                <a:latin typeface="+mn-lt"/>
-                <a:ea typeface="+mn-ea"/>
-                <a:cs typeface="+mn-cs"/>
-              </a:defRPr>
-            </a:lvl1pPr>
-            <a:lvl2pPr marL="457200" indent="0" algn="ctr" defTabSz="914400" rtl="0" eaLnBrk="1" latinLnBrk="0" hangingPunct="1">
-              <a:lnSpc>
-                <a:spcPct val="90000"/>
-              </a:lnSpc>
-              <a:spcBef>
-                <a:spcPts val="500"/>
-              </a:spcBef>
-              <a:buFont typeface="Arial" panose="020B0604020202020204" pitchFamily="34" charset="0"/>
-              <a:buNone/>
-              <a:defRPr kumimoji="1" sz="2000" kern="1200">
-                <a:solidFill>
-                  <a:schemeClr val="tx1"/>
-                </a:solidFill>
-                <a:latin typeface="+mn-lt"/>
-                <a:ea typeface="+mn-ea"/>
-                <a:cs typeface="+mn-cs"/>
-              </a:defRPr>
-            </a:lvl2pPr>
-            <a:lvl3pPr marL="914400" indent="0" algn="ctr" defTabSz="914400" rtl="0" eaLnBrk="1" latinLnBrk="0" hangingPunct="1">
-              <a:lnSpc>
-                <a:spcPct val="90000"/>
-              </a:lnSpc>
-              <a:spcBef>
-                <a:spcPts val="500"/>
-              </a:spcBef>
-              <a:buFont typeface="Arial" panose="020B0604020202020204" pitchFamily="34" charset="0"/>
-              <a:buNone/>
-              <a:defRPr kumimoji="1" sz="1800" kern="1200">
-                <a:solidFill>
-                  <a:schemeClr val="tx1"/>
-                </a:solidFill>
-                <a:latin typeface="+mn-lt"/>
-                <a:ea typeface="+mn-ea"/>
-                <a:cs typeface="+mn-cs"/>
-              </a:defRPr>
-            </a:lvl3pPr>
-            <a:lvl4pPr marL="1371600" indent="0" algn="ctr" defTabSz="914400" rtl="0" eaLnBrk="1" latinLnBrk="0" hangingPunct="1">
-              <a:lnSpc>
-                <a:spcPct val="90000"/>
-              </a:lnSpc>
-              <a:spcBef>
-                <a:spcPts val="500"/>
-              </a:spcBef>
-              <a:buFont typeface="Arial" panose="020B0604020202020204" pitchFamily="34" charset="0"/>
-              <a:buNone/>
-              <a:defRPr kumimoji="1" sz="1600" kern="1200">
-                <a:solidFill>
-                  <a:schemeClr val="tx1"/>
-                </a:solidFill>
-                <a:latin typeface="+mn-lt"/>
-                <a:ea typeface="+mn-ea"/>
-                <a:cs typeface="+mn-cs"/>
-              </a:defRPr>
-            </a:lvl4pPr>
-            <a:lvl5pPr marL="1828800" indent="0" algn="ctr" defTabSz="914400" rtl="0" eaLnBrk="1" latinLnBrk="0" hangingPunct="1">
-              <a:lnSpc>
-                <a:spcPct val="90000"/>
-              </a:lnSpc>
-              <a:spcBef>
-                <a:spcPts val="500"/>
-              </a:spcBef>
-              <a:buFont typeface="Arial" panose="020B0604020202020204" pitchFamily="34" charset="0"/>
-              <a:buNone/>
-              <a:defRPr kumimoji="1" sz="1600" kern="1200">
-                <a:solidFill>
-                  <a:schemeClr val="tx1"/>
-                </a:solidFill>
-                <a:latin typeface="+mn-lt"/>
-                <a:ea typeface="+mn-ea"/>
-                <a:cs typeface="+mn-cs"/>
-              </a:defRPr>
-            </a:lvl5pPr>
-            <a:lvl6pPr marL="2286000" indent="0" algn="ctr" defTabSz="914400" rtl="0" eaLnBrk="1" latinLnBrk="0" hangingPunct="1">
-              <a:lnSpc>
-                <a:spcPct val="90000"/>
-              </a:lnSpc>
-              <a:spcBef>
-                <a:spcPts val="500"/>
-              </a:spcBef>
-              <a:buFont typeface="Arial" panose="020B0604020202020204" pitchFamily="34" charset="0"/>
-              <a:buNone/>
-              <a:defRPr kumimoji="1" sz="1600" kern="1200">
-                <a:solidFill>
-                  <a:schemeClr val="tx1"/>
-                </a:solidFill>
-                <a:latin typeface="+mn-lt"/>
-                <a:ea typeface="+mn-ea"/>
-                <a:cs typeface="+mn-cs"/>
-              </a:defRPr>
-            </a:lvl6pPr>
-            <a:lvl7pPr marL="2743200" indent="0" algn="ctr" defTabSz="914400" rtl="0" eaLnBrk="1" latinLnBrk="0" hangingPunct="1">
-              <a:lnSpc>
-                <a:spcPct val="90000"/>
-              </a:lnSpc>
-              <a:spcBef>
-                <a:spcPts val="500"/>
-              </a:spcBef>
-              <a:buFont typeface="Arial" panose="020B0604020202020204" pitchFamily="34" charset="0"/>
-              <a:buNone/>
-              <a:defRPr kumimoji="1" sz="1600" kern="1200">
-                <a:solidFill>
-                  <a:schemeClr val="tx1"/>
-                </a:solidFill>
-                <a:latin typeface="+mn-lt"/>
-                <a:ea typeface="+mn-ea"/>
-                <a:cs typeface="+mn-cs"/>
-              </a:defRPr>
-            </a:lvl7pPr>
-            <a:lvl8pPr marL="3200400" indent="0" algn="ctr" defTabSz="914400" rtl="0" eaLnBrk="1" latinLnBrk="0" hangingPunct="1">
-              <a:lnSpc>
-                <a:spcPct val="90000"/>
-              </a:lnSpc>
-              <a:spcBef>
-                <a:spcPts val="500"/>
-              </a:spcBef>
-              <a:buFont typeface="Arial" panose="020B0604020202020204" pitchFamily="34" charset="0"/>
-              <a:buNone/>
-              <a:defRPr kumimoji="1" sz="1600" kern="1200">
-                <a:solidFill>
-                  <a:schemeClr val="tx1"/>
-                </a:solidFill>
-                <a:latin typeface="+mn-lt"/>
-                <a:ea typeface="+mn-ea"/>
-                <a:cs typeface="+mn-cs"/>
-              </a:defRPr>
-            </a:lvl8pPr>
-            <a:lvl9pPr marL="3657600" indent="0" algn="ctr" defTabSz="914400" rtl="0" eaLnBrk="1" latinLnBrk="0" hangingPunct="1">
-              <a:lnSpc>
-                <a:spcPct val="90000"/>
-              </a:lnSpc>
-              <a:spcBef>
-                <a:spcPts val="500"/>
-              </a:spcBef>
-              <a:buFont typeface="Arial" panose="020B0604020202020204" pitchFamily="34" charset="0"/>
-              <a:buNone/>
-              <a:defRPr kumimoji="1" sz="1600" kern="1200">
-                <a:solidFill>
-                  <a:schemeClr val="tx1"/>
-                </a:solidFill>
-                <a:latin typeface="+mn-lt"/>
-                <a:ea typeface="+mn-ea"/>
-                <a:cs typeface="+mn-cs"/>
-              </a:defRPr>
-            </a:lvl9pPr>
-          </a:lstStyle>
-          <a:p>
-            <a:pPr algn="l"/>
-            <a:r>
-              <a:rPr lang="en-US" sz="3600" b="1" dirty="0" smtClean="0">
-                <a:solidFill>
-                  <a:srgbClr val="0064B5"/>
-                </a:solidFill>
-              </a:rPr>
-              <a:t>Object – for…in</a:t>
-            </a:r>
-            <a:endParaRPr lang="en-US" sz="3600" b="1" dirty="0">
-              <a:solidFill>
-                <a:srgbClr val="0064B5"/>
-              </a:solidFill>
-            </a:endParaRPr>
-          </a:p>
-        </p:txBody>
-      </p:sp>
-      <p:sp>
-        <p:nvSpPr>
-          <p:cNvPr id="11" name="Rectangle 10"/>
-          <p:cNvSpPr/>
-          <p:nvPr/>
-        </p:nvSpPr>
-        <p:spPr>
-          <a:xfrm>
-            <a:off x="256350" y="581415"/>
-            <a:ext cx="10228770" cy="369332"/>
-          </a:xfrm>
-          <a:prstGeom prst="rect">
-            <a:avLst/>
-          </a:prstGeom>
-        </p:spPr>
-        <p:txBody>
-          <a:bodyPr wrap="square">
-            <a:spAutoFit/>
-          </a:bodyPr>
-          <a:lstStyle/>
-          <a:p>
-            <a:r>
-              <a:rPr lang="en-US" dirty="0" smtClean="0"/>
-              <a:t>Loop </a:t>
-            </a:r>
-            <a:r>
-              <a:rPr lang="en-US" dirty="0"/>
-              <a:t>through an object Using for...in</a:t>
-            </a:r>
-            <a:endParaRPr lang="en-IN" b="1" u="sng" dirty="0"/>
-          </a:p>
-        </p:txBody>
-      </p:sp>
-      <p:sp>
-        <p:nvSpPr>
-          <p:cNvPr id="21" name="Rectangle 20"/>
-          <p:cNvSpPr/>
-          <p:nvPr/>
-        </p:nvSpPr>
-        <p:spPr>
-          <a:xfrm>
-            <a:off x="317310" y="1122217"/>
-            <a:ext cx="4973685" cy="4204483"/>
-          </a:xfrm>
-          <a:prstGeom prst="rect">
-            <a:avLst/>
-          </a:prstGeom>
-          <a:gradFill flip="none" rotWithShape="1">
-            <a:gsLst>
-              <a:gs pos="0">
-                <a:schemeClr val="bg2"/>
-              </a:gs>
-              <a:gs pos="50000">
-                <a:schemeClr val="accent3">
-                  <a:lumMod val="20000"/>
-                  <a:lumOff val="80000"/>
-                  <a:shade val="67500"/>
-                  <a:satMod val="115000"/>
-                </a:schemeClr>
-              </a:gs>
-              <a:gs pos="100000">
-                <a:schemeClr val="accent3">
-                  <a:lumMod val="20000"/>
-                  <a:lumOff val="80000"/>
-                  <a:shade val="100000"/>
-                  <a:satMod val="115000"/>
-                </a:schemeClr>
-              </a:gs>
-            </a:gsLst>
-            <a:lin ang="6600000" scaled="0"/>
-            <a:tileRect/>
-          </a:gradFill>
-          <a:ln>
-            <a:solidFill>
-              <a:schemeClr val="tx1">
-                <a:lumMod val="50000"/>
-                <a:lumOff val="50000"/>
-              </a:schemeClr>
-            </a:solidFill>
-          </a:ln>
-        </p:spPr>
-        <p:style>
-          <a:lnRef idx="2">
-            <a:schemeClr val="accent1">
-              <a:shade val="50000"/>
-            </a:schemeClr>
-          </a:lnRef>
-          <a:fillRef idx="1">
-            <a:schemeClr val="accent1"/>
-          </a:fillRef>
-          <a:effectRef idx="0">
-            <a:schemeClr val="accent1"/>
-          </a:effectRef>
-          <a:fontRef idx="minor">
-            <a:schemeClr val="lt1"/>
-          </a:fontRef>
-        </p:style>
-        <p:txBody>
-          <a:bodyPr rtlCol="0" anchor="ctr"/>
-          <a:lstStyle/>
-          <a:p>
-            <a:r>
-              <a:rPr lang="en-US" sz="1500" dirty="0" err="1">
-                <a:solidFill>
-                  <a:schemeClr val="tx1"/>
-                </a:solidFill>
-              </a:rPr>
-              <a:t>const</a:t>
-            </a:r>
-            <a:r>
-              <a:rPr lang="en-US" sz="1500" dirty="0">
-                <a:solidFill>
-                  <a:schemeClr val="tx1"/>
-                </a:solidFill>
-              </a:rPr>
-              <a:t> student = { </a:t>
-            </a:r>
-          </a:p>
-          <a:p>
-            <a:r>
-              <a:rPr lang="en-US" sz="1500" dirty="0">
-                <a:solidFill>
-                  <a:schemeClr val="tx1"/>
-                </a:solidFill>
-              </a:rPr>
-              <a:t>    name: 'John',</a:t>
-            </a:r>
-          </a:p>
-          <a:p>
-            <a:r>
-              <a:rPr lang="en-US" sz="1500" dirty="0">
-                <a:solidFill>
-                  <a:schemeClr val="tx1"/>
-                </a:solidFill>
-              </a:rPr>
-              <a:t>    age: 20,</a:t>
-            </a:r>
-          </a:p>
-          <a:p>
-            <a:r>
-              <a:rPr lang="en-US" sz="1500" dirty="0">
-                <a:solidFill>
-                  <a:schemeClr val="tx1"/>
-                </a:solidFill>
-              </a:rPr>
-              <a:t>    hobbies: ['reading', 'games', 'coding'],</a:t>
-            </a:r>
-          </a:p>
-          <a:p>
-            <a:r>
-              <a:rPr lang="en-US" sz="1500" dirty="0">
-                <a:solidFill>
-                  <a:schemeClr val="tx1"/>
-                </a:solidFill>
-              </a:rPr>
-              <a:t>};</a:t>
-            </a:r>
-          </a:p>
-          <a:p>
-            <a:endParaRPr lang="en-US" sz="1500" dirty="0">
-              <a:solidFill>
-                <a:schemeClr val="tx1"/>
-              </a:solidFill>
-            </a:endParaRPr>
-          </a:p>
-          <a:p>
-            <a:r>
-              <a:rPr lang="en-US" sz="1500" dirty="0">
-                <a:solidFill>
-                  <a:schemeClr val="tx1"/>
-                </a:solidFill>
-              </a:rPr>
-              <a:t>// using for...in</a:t>
-            </a:r>
-          </a:p>
-          <a:p>
-            <a:r>
-              <a:rPr lang="en-US" sz="1500" dirty="0">
-                <a:solidFill>
-                  <a:schemeClr val="tx1"/>
-                </a:solidFill>
-              </a:rPr>
-              <a:t>for (let key in student) { </a:t>
-            </a:r>
-          </a:p>
-          <a:p>
-            <a:r>
-              <a:rPr lang="en-US" sz="1500" dirty="0">
-                <a:solidFill>
-                  <a:schemeClr val="tx1"/>
-                </a:solidFill>
-              </a:rPr>
-              <a:t>    let value;</a:t>
-            </a:r>
-          </a:p>
-          <a:p>
-            <a:endParaRPr lang="en-US" sz="1500" dirty="0">
-              <a:solidFill>
-                <a:schemeClr val="tx1"/>
-              </a:solidFill>
-            </a:endParaRPr>
-          </a:p>
-          <a:p>
-            <a:r>
-              <a:rPr lang="en-US" sz="1500" dirty="0">
-                <a:solidFill>
-                  <a:schemeClr val="tx1"/>
-                </a:solidFill>
-              </a:rPr>
-              <a:t>    // get the value</a:t>
-            </a:r>
-          </a:p>
-          <a:p>
-            <a:r>
-              <a:rPr lang="en-US" sz="1500" dirty="0">
-                <a:solidFill>
-                  <a:schemeClr val="tx1"/>
-                </a:solidFill>
-              </a:rPr>
-              <a:t>    value = student[key];</a:t>
-            </a:r>
-          </a:p>
-          <a:p>
-            <a:endParaRPr lang="en-US" sz="1500" dirty="0">
-              <a:solidFill>
-                <a:schemeClr val="tx1"/>
-              </a:solidFill>
-            </a:endParaRPr>
-          </a:p>
-          <a:p>
-            <a:r>
-              <a:rPr lang="en-US" sz="1500" dirty="0">
-                <a:solidFill>
-                  <a:schemeClr val="tx1"/>
-                </a:solidFill>
-              </a:rPr>
-              <a:t>    console.log(key + " - " +  value); </a:t>
-            </a:r>
-          </a:p>
-          <a:p>
-            <a:r>
-              <a:rPr lang="en-US" sz="1500" dirty="0">
-                <a:solidFill>
-                  <a:schemeClr val="tx1"/>
-                </a:solidFill>
-              </a:rPr>
-              <a:t>} </a:t>
-            </a:r>
-          </a:p>
-        </p:txBody>
-      </p:sp>
-      <p:pic>
-        <p:nvPicPr>
-          <p:cNvPr id="1026" name="Picture 2"/>
-          <p:cNvPicPr>
-            <a:picLocks noChangeAspect="1" noChangeArrowheads="1"/>
-          </p:cNvPicPr>
-          <p:nvPr/>
-        </p:nvPicPr>
-        <p:blipFill>
-          <a:blip r:embed="rId2"/>
-          <a:srcRect/>
-          <a:stretch>
-            <a:fillRect/>
-          </a:stretch>
-        </p:blipFill>
-        <p:spPr bwMode="auto">
-          <a:xfrm>
-            <a:off x="5576888" y="974815"/>
-            <a:ext cx="6297249" cy="4229100"/>
-          </a:xfrm>
-          <a:prstGeom prst="rect">
-            <a:avLst/>
-          </a:prstGeom>
-          <a:noFill/>
-          <a:ln w="9525">
-            <a:noFill/>
-            <a:miter lim="800000"/>
-            <a:headEnd/>
-            <a:tailEnd/>
-          </a:ln>
-          <a:effectLst/>
-        </p:spPr>
-      </p:pic>
-    </p:spTree>
-    <p:extLst>
-      <p:ext uri="{BB962C8B-B14F-4D97-AF65-F5344CB8AC3E}">
-        <p14:creationId xmlns:p14="http://schemas.microsoft.com/office/powerpoint/2010/main" xmlns="" val="1076763019"/>
       </p:ext>
     </p:extLst>
   </p:cSld>
